--- a/Финансовый следопыт.pptx
+++ b/Финансовый следопыт.pptx
@@ -2,7 +2,7 @@
 <file path=ppt/presentation.xml><?xml version="1.0" encoding="utf-8"?>
 <p:presentation xmlns:a="http://schemas.openxmlformats.org/drawingml/2006/main" xmlns:r="http://schemas.openxmlformats.org/officeDocument/2006/relationships" xmlns:p="http://schemas.openxmlformats.org/presentationml/2006/main" saveSubsetFonts="1">
   <p:sldMasterIdLst>
-    <p:sldMasterId id="2147483660" r:id="rId1"/>
+    <p:sldMasterId id="2147483672" r:id="rId1"/>
   </p:sldMasterIdLst>
   <p:sldIdLst>
     <p:sldId id="256" r:id="rId2"/>
@@ -122,7 +122,7 @@
     <p:bg>
       <p:bgPr>
         <a:solidFill>
-          <a:schemeClr val="accent2"/>
+          <a:schemeClr val="accent1"/>
         </a:solidFill>
         <a:effectLst/>
       </p:bgPr>
@@ -143,37 +143,67 @@
       </p:grpSpPr>
       <p:sp>
         <p:nvSpPr>
-          <p:cNvPr id="2" name="Title 1"/>
-          <p:cNvSpPr>
-            <a:spLocks noGrp="1"/>
-          </p:cNvSpPr>
-          <p:nvPr>
-            <p:ph type="ctrTitle"/>
-          </p:nvPr>
-        </p:nvSpPr>
-        <p:spPr bwMode="blackWhite">
+          <p:cNvPr id="4" name="Rectangle 3"/>
+          <p:cNvSpPr/>
+          <p:nvPr/>
+        </p:nvSpPr>
+        <p:spPr>
           <a:xfrm>
-            <a:off x="1600200" y="2386744"/>
-            <a:ext cx="8991600" cy="1645920"/>
+            <a:off x="0" y="0"/>
+            <a:ext cx="12192000" cy="6858000"/>
           </a:xfrm>
-          <a:solidFill>
-            <a:srgbClr val="FFFFFF"/>
-          </a:solidFill>
-          <a:ln w="38100">
-            <a:solidFill>
-              <a:srgbClr val="404040"/>
-            </a:solidFill>
+          <a:prstGeom prst="rect">
+            <a:avLst/>
+          </a:prstGeom>
+          <a:ln>
+            <a:noFill/>
           </a:ln>
         </p:spPr>
-        <p:txBody>
-          <a:bodyPr lIns="274320" rIns="274320" anchor="ctr" anchorCtr="1">
-            <a:normAutofit/>
+        <p:style>
+          <a:lnRef idx="2">
+            <a:schemeClr val="accent1">
+              <a:shade val="50000"/>
+            </a:schemeClr>
+          </a:lnRef>
+          <a:fillRef idx="1">
+            <a:schemeClr val="accent1"/>
+          </a:fillRef>
+          <a:effectRef idx="0">
+            <a:schemeClr val="accent1"/>
+          </a:effectRef>
+          <a:fontRef idx="minor">
+            <a:schemeClr val="lt1"/>
+          </a:fontRef>
+        </p:style>
+      </p:sp>
+      <p:sp>
+        <p:nvSpPr>
+          <p:cNvPr id="2" name="Title 1"/>
+          <p:cNvSpPr>
+            <a:spLocks noGrp="1"/>
+          </p:cNvSpPr>
+          <p:nvPr>
+            <p:ph type="ctrTitle"/>
+          </p:nvPr>
+        </p:nvSpPr>
+        <p:spPr>
+          <a:xfrm>
+            <a:off x="603504" y="770467"/>
+            <a:ext cx="10782300" cy="3352800"/>
+          </a:xfrm>
+        </p:spPr>
+        <p:txBody>
+          <a:bodyPr anchor="b">
+            <a:noAutofit/>
           </a:bodyPr>
           <a:lstStyle>
-            <a:lvl1pPr algn="ctr">
-              <a:defRPr sz="3800">
+            <a:lvl1pPr algn="l">
+              <a:lnSpc>
+                <a:spcPct val="80000"/>
+              </a:lnSpc>
+              <a:defRPr sz="8800" spc="-120" baseline="0">
                 <a:solidFill>
-                  <a:srgbClr val="262626"/>
+                  <a:srgbClr val="FFFFFF"/>
                 </a:solidFill>
               </a:defRPr>
             </a:lvl1pPr>
@@ -199,87 +229,94 @@
         </p:nvSpPr>
         <p:spPr>
           <a:xfrm>
-            <a:off x="2695194" y="4352544"/>
-            <a:ext cx="6801612" cy="1239894"/>
+            <a:off x="667512" y="4206876"/>
+            <a:ext cx="9228201" cy="1645920"/>
           </a:xfrm>
-          <a:noFill/>
         </p:spPr>
         <p:txBody>
           <a:bodyPr>
             <a:normAutofit/>
           </a:bodyPr>
           <a:lstStyle>
-            <a:lvl1pPr marL="0" indent="0" algn="ctr">
-              <a:buNone/>
-              <a:defRPr sz="2000">
+            <a:lvl1pPr marL="0" indent="0" algn="l">
+              <a:buNone/>
+              <a:defRPr sz="3200">
                 <a:solidFill>
-                  <a:schemeClr val="tx1">
-                    <a:lumMod val="75000"/>
-                    <a:lumOff val="25000"/>
-                  </a:schemeClr>
+                  <a:schemeClr val="bg1"/>
+                </a:solidFill>
+                <a:latin typeface="+mj-lt"/>
+              </a:defRPr>
+            </a:lvl1pPr>
+            <a:lvl2pPr marL="457200" indent="0" algn="ctr">
+              <a:buNone/>
+              <a:defRPr sz="2800"/>
+            </a:lvl2pPr>
+            <a:lvl3pPr marL="914400" indent="0" algn="ctr">
+              <a:buNone/>
+              <a:defRPr sz="2400"/>
+            </a:lvl3pPr>
+            <a:lvl4pPr marL="1371600" indent="0" algn="ctr">
+              <a:buNone/>
+              <a:defRPr sz="2000"/>
+            </a:lvl4pPr>
+            <a:lvl5pPr marL="1828800" indent="0" algn="ctr">
+              <a:buNone/>
+              <a:defRPr sz="2000"/>
+            </a:lvl5pPr>
+            <a:lvl6pPr marL="2286000" indent="0" algn="ctr">
+              <a:buNone/>
+              <a:defRPr sz="2000"/>
+            </a:lvl6pPr>
+            <a:lvl7pPr marL="2743200" indent="0" algn="ctr">
+              <a:buNone/>
+              <a:defRPr sz="2000"/>
+            </a:lvl7pPr>
+            <a:lvl8pPr marL="3200400" indent="0" algn="ctr">
+              <a:buNone/>
+              <a:defRPr sz="2000"/>
+            </a:lvl8pPr>
+            <a:lvl9pPr marL="3657600" indent="0" algn="ctr">
+              <a:buNone/>
+              <a:defRPr sz="2000"/>
+            </a:lvl9pPr>
+          </a:lstStyle>
+          <a:p>
+            <a:r>
+              <a:rPr lang="ru-RU"/>
+              <a:t>Образец подзаголовка</a:t>
+            </a:r>
+            <a:endParaRPr lang="en-US" dirty="0"/>
+          </a:p>
+        </p:txBody>
+      </p:sp>
+      <p:sp>
+        <p:nvSpPr>
+          <p:cNvPr id="7" name="Date Placeholder 6"/>
+          <p:cNvSpPr>
+            <a:spLocks noGrp="1"/>
+          </p:cNvSpPr>
+          <p:nvPr>
+            <p:ph type="dt" sz="half" idx="10"/>
+          </p:nvPr>
+        </p:nvSpPr>
+        <p:spPr/>
+        <p:txBody>
+          <a:bodyPr/>
+          <a:lstStyle>
+            <a:lvl1pPr>
+              <a:defRPr>
+                <a:solidFill>
+                  <a:srgbClr val="FFFFFF">
+                    <a:alpha val="80000"/>
+                  </a:srgbClr>
                 </a:solidFill>
               </a:defRPr>
             </a:lvl1pPr>
-            <a:lvl2pPr marL="457200" indent="0" algn="ctr">
-              <a:buNone/>
-              <a:defRPr sz="2000"/>
-            </a:lvl2pPr>
-            <a:lvl3pPr marL="914400" indent="0" algn="ctr">
-              <a:buNone/>
-              <a:defRPr sz="1800"/>
-            </a:lvl3pPr>
-            <a:lvl4pPr marL="1371600" indent="0" algn="ctr">
-              <a:buNone/>
-              <a:defRPr sz="1600"/>
-            </a:lvl4pPr>
-            <a:lvl5pPr marL="1828800" indent="0" algn="ctr">
-              <a:buNone/>
-              <a:defRPr sz="1600"/>
-            </a:lvl5pPr>
-            <a:lvl6pPr marL="2286000" indent="0" algn="ctr">
-              <a:buNone/>
-              <a:defRPr sz="1600"/>
-            </a:lvl6pPr>
-            <a:lvl7pPr marL="2743200" indent="0" algn="ctr">
-              <a:buNone/>
-              <a:defRPr sz="1600"/>
-            </a:lvl7pPr>
-            <a:lvl8pPr marL="3200400" indent="0" algn="ctr">
-              <a:buNone/>
-              <a:defRPr sz="1600"/>
-            </a:lvl8pPr>
-            <a:lvl9pPr marL="3657600" indent="0" algn="ctr">
-              <a:buNone/>
-              <a:defRPr sz="1600"/>
-            </a:lvl9pPr>
           </a:lstStyle>
-          <a:p>
-            <a:r>
-              <a:rPr lang="ru-RU"/>
-              <a:t>Образец подзаголовка</a:t>
-            </a:r>
-            <a:endParaRPr lang="en-US" dirty="0"/>
-          </a:p>
-        </p:txBody>
-      </p:sp>
-      <p:sp>
-        <p:nvSpPr>
-          <p:cNvPr id="7" name="Date Placeholder 6"/>
-          <p:cNvSpPr>
-            <a:spLocks noGrp="1"/>
-          </p:cNvSpPr>
-          <p:nvPr>
-            <p:ph type="dt" sz="half" idx="10"/>
-          </p:nvPr>
-        </p:nvSpPr>
-        <p:spPr/>
-        <p:txBody>
-          <a:bodyPr/>
-          <a:lstStyle/>
           <a:p>
             <a:fld id="{A566D3CB-1BEF-450D-BBCE-2F6901244D5C}" type="datetimeFigureOut">
               <a:rPr lang="ru-RU" smtClean="0"/>
-              <a:t>10.11.2022</a:t>
+              <a:t>08.11.2023</a:t>
             </a:fld>
             <a:endParaRPr lang="ru-RU"/>
           </a:p>
@@ -298,7 +335,17 @@
         <p:spPr/>
         <p:txBody>
           <a:bodyPr/>
-          <a:lstStyle/>
+          <a:lstStyle>
+            <a:lvl1pPr>
+              <a:defRPr>
+                <a:solidFill>
+                  <a:srgbClr val="FFFFFF">
+                    <a:alpha val="80000"/>
+                  </a:srgbClr>
+                </a:solidFill>
+              </a:defRPr>
+            </a:lvl1pPr>
+          </a:lstStyle>
           <a:p>
             <a:endParaRPr lang="ru-RU"/>
           </a:p>
@@ -317,7 +364,17 @@
         <p:spPr/>
         <p:txBody>
           <a:bodyPr/>
-          <a:lstStyle/>
+          <a:lstStyle>
+            <a:lvl1pPr>
+              <a:defRPr>
+                <a:solidFill>
+                  <a:srgbClr val="FFFFFF">
+                    <a:alpha val="25000"/>
+                  </a:srgbClr>
+                </a:solidFill>
+              </a:defRPr>
+            </a:lvl1pPr>
+          </a:lstStyle>
           <a:p>
             <a:fld id="{348182ED-62CA-4A1F-BD14-7AA4F43B338B}" type="slidenum">
               <a:rPr lang="ru-RU" smtClean="0"/>
@@ -330,12 +387,12 @@
     </p:spTree>
     <p:extLst>
       <p:ext uri="{BB962C8B-B14F-4D97-AF65-F5344CB8AC3E}">
-        <p14:creationId xmlns:p14="http://schemas.microsoft.com/office/powerpoint/2010/main" val="2857530862"/>
+        <p14:creationId xmlns:p14="http://schemas.microsoft.com/office/powerpoint/2010/main" val="268545234"/>
       </p:ext>
     </p:extLst>
   </p:cSld>
   <p:clrMapOvr>
-    <a:overrideClrMapping bg1="dk1" tx1="lt1" bg2="dk2" tx2="lt2" accent1="accent1" accent2="accent2" accent3="accent3" accent4="accent4" accent5="accent5" accent6="accent6" hlink="hlink" folHlink="folHlink"/>
+    <a:masterClrMapping/>
   </p:clrMapOvr>
 </p:sldLayout>
 </file>
@@ -449,7 +506,7 @@
           <a:p>
             <a:fld id="{A566D3CB-1BEF-450D-BBCE-2F6901244D5C}" type="datetimeFigureOut">
               <a:rPr lang="ru-RU" smtClean="0"/>
-              <a:t>10.11.2022</a:t>
+              <a:t>08.11.2023</a:t>
             </a:fld>
             <a:endParaRPr lang="ru-RU"/>
           </a:p>
@@ -500,7 +557,7 @@
     </p:spTree>
     <p:extLst>
       <p:ext uri="{BB962C8B-B14F-4D97-AF65-F5344CB8AC3E}">
-        <p14:creationId xmlns:p14="http://schemas.microsoft.com/office/powerpoint/2010/main" val="208637966"/>
+        <p14:creationId xmlns:p14="http://schemas.microsoft.com/office/powerpoint/2010/main" val="128117744"/>
       </p:ext>
     </p:extLst>
   </p:cSld>
@@ -539,8 +596,8 @@
         </p:nvSpPr>
         <p:spPr>
           <a:xfrm>
-            <a:off x="8653112" y="937260"/>
-            <a:ext cx="1298608" cy="4983480"/>
+            <a:off x="8743950" y="695325"/>
+            <a:ext cx="2628900" cy="4800600"/>
           </a:xfrm>
         </p:spPr>
         <p:txBody>
@@ -567,8 +624,8 @@
         </p:nvSpPr>
         <p:spPr>
           <a:xfrm>
-            <a:off x="2231136" y="937260"/>
-            <a:ext cx="6198489" cy="4983480"/>
+            <a:off x="771525" y="714375"/>
+            <a:ext cx="7734300" cy="5400675"/>
           </a:xfrm>
         </p:spPr>
         <p:txBody>
@@ -629,7 +686,7 @@
           <a:p>
             <a:fld id="{A566D3CB-1BEF-450D-BBCE-2F6901244D5C}" type="datetimeFigureOut">
               <a:rPr lang="ru-RU" smtClean="0"/>
-              <a:t>10.11.2022</a:t>
+              <a:t>08.11.2023</a:t>
             </a:fld>
             <a:endParaRPr lang="ru-RU"/>
           </a:p>
@@ -680,7 +737,7 @@
     </p:spTree>
     <p:extLst>
       <p:ext uri="{BB962C8B-B14F-4D97-AF65-F5344CB8AC3E}">
-        <p14:creationId xmlns:p14="http://schemas.microsoft.com/office/powerpoint/2010/main" val="2765006011"/>
+        <p14:creationId xmlns:p14="http://schemas.microsoft.com/office/powerpoint/2010/main" val="2319904690"/>
       </p:ext>
     </p:extLst>
   </p:cSld>
@@ -784,7 +841,7 @@
       </p:sp>
       <p:sp>
         <p:nvSpPr>
-          <p:cNvPr id="7" name="Date Placeholder 6"/>
+          <p:cNvPr id="4" name="Date Placeholder 3"/>
           <p:cNvSpPr>
             <a:spLocks noGrp="1"/>
           </p:cNvSpPr>
@@ -799,7 +856,7 @@
           <a:p>
             <a:fld id="{A566D3CB-1BEF-450D-BBCE-2F6901244D5C}" type="datetimeFigureOut">
               <a:rPr lang="ru-RU" smtClean="0"/>
-              <a:t>10.11.2022</a:t>
+              <a:t>08.11.2023</a:t>
             </a:fld>
             <a:endParaRPr lang="ru-RU"/>
           </a:p>
@@ -807,7 +864,7 @@
       </p:sp>
       <p:sp>
         <p:nvSpPr>
-          <p:cNvPr id="8" name="Footer Placeholder 7"/>
+          <p:cNvPr id="5" name="Footer Placeholder 4"/>
           <p:cNvSpPr>
             <a:spLocks noGrp="1"/>
           </p:cNvSpPr>
@@ -826,7 +883,7 @@
       </p:sp>
       <p:sp>
         <p:nvSpPr>
-          <p:cNvPr id="9" name="Slide Number Placeholder 8"/>
+          <p:cNvPr id="6" name="Slide Number Placeholder 5"/>
           <p:cNvSpPr>
             <a:spLocks noGrp="1"/>
           </p:cNvSpPr>
@@ -850,7 +907,7 @@
     </p:spTree>
     <p:extLst>
       <p:ext uri="{BB962C8B-B14F-4D97-AF65-F5344CB8AC3E}">
-        <p14:creationId xmlns:p14="http://schemas.microsoft.com/office/powerpoint/2010/main" val="2084336388"/>
+        <p14:creationId xmlns:p14="http://schemas.microsoft.com/office/powerpoint/2010/main" val="571121292"/>
       </p:ext>
     </p:extLst>
   </p:cSld>
@@ -863,14 +920,6 @@
 <file path=ppt/slideLayouts/slideLayout3.xml><?xml version="1.0" encoding="utf-8"?>
 <p:sldLayout xmlns:a="http://schemas.openxmlformats.org/drawingml/2006/main" xmlns:r="http://schemas.openxmlformats.org/officeDocument/2006/relationships" xmlns:p="http://schemas.openxmlformats.org/presentationml/2006/main" type="secHead" preserve="1">
   <p:cSld name="Заголовок раздела">
-    <p:bg>
-      <p:bgPr>
-        <a:solidFill>
-          <a:schemeClr val="accent1"/>
-        </a:solidFill>
-        <a:effectLst/>
-      </p:bgPr>
-    </p:bg>
     <p:spTree>
       <p:nvGrpSpPr>
         <p:cNvPr id="1" name=""/>
@@ -895,29 +944,24 @@
             <p:ph type="title"/>
           </p:nvPr>
         </p:nvSpPr>
-        <p:spPr bwMode="blackWhite">
+        <p:spPr>
           <a:xfrm>
-            <a:off x="1600200" y="2386744"/>
-            <a:ext cx="8991600" cy="1645920"/>
+            <a:off x="603504" y="767419"/>
+            <a:ext cx="10780776" cy="3355848"/>
           </a:xfrm>
-          <a:solidFill>
-            <a:srgbClr val="FFFFFF"/>
-          </a:solidFill>
-          <a:ln w="38100">
-            <a:solidFill>
-              <a:srgbClr val="404040"/>
-            </a:solidFill>
-          </a:ln>
         </p:spPr>
         <p:txBody>
-          <a:bodyPr lIns="274320" rIns="274320" anchor="ctr" anchorCtr="1">
+          <a:bodyPr anchor="b">
             <a:normAutofit/>
           </a:bodyPr>
           <a:lstStyle>
             <a:lvl1pPr>
-              <a:defRPr sz="3800">
+              <a:lnSpc>
+                <a:spcPct val="80000"/>
+              </a:lnSpc>
+              <a:defRPr sz="8800" b="0" baseline="0">
                 <a:solidFill>
-                  <a:srgbClr val="262626"/>
+                  <a:schemeClr val="accent1"/>
                 </a:solidFill>
               </a:defRPr>
             </a:lvl1pPr>
@@ -943,26 +987,27 @@
         </p:nvSpPr>
         <p:spPr>
           <a:xfrm>
-            <a:off x="2695194" y="4352465"/>
-            <a:ext cx="6801612" cy="1265082"/>
+            <a:off x="667512" y="4204209"/>
+            <a:ext cx="9226296" cy="1645920"/>
           </a:xfrm>
         </p:spPr>
         <p:txBody>
-          <a:bodyPr anchor="t" anchorCtr="1">
+          <a:bodyPr anchor="t">
             <a:normAutofit/>
           </a:bodyPr>
           <a:lstStyle>
             <a:lvl1pPr marL="0" indent="0">
               <a:buNone/>
-              <a:defRPr sz="2000">
+              <a:defRPr sz="3200">
                 <a:solidFill>
                   <a:schemeClr val="tx1"/>
                 </a:solidFill>
+                <a:latin typeface="+mj-lt"/>
               </a:defRPr>
             </a:lvl1pPr>
             <a:lvl2pPr marL="457200" indent="0">
               <a:buNone/>
-              <a:defRPr sz="2000">
+              <a:defRPr sz="1800">
                 <a:solidFill>
                   <a:schemeClr val="tx1">
                     <a:tint val="75000"/>
@@ -972,7 +1017,7 @@
             </a:lvl2pPr>
             <a:lvl3pPr marL="914400" indent="0">
               <a:buNone/>
-              <a:defRPr sz="1800">
+              <a:defRPr sz="1600">
                 <a:solidFill>
                   <a:schemeClr val="tx1">
                     <a:tint val="75000"/>
@@ -982,7 +1027,7 @@
             </a:lvl3pPr>
             <a:lvl4pPr marL="1371600" indent="0">
               <a:buNone/>
-              <a:defRPr sz="1600">
+              <a:defRPr sz="1400">
                 <a:solidFill>
                   <a:schemeClr val="tx1">
                     <a:tint val="75000"/>
@@ -992,7 +1037,7 @@
             </a:lvl4pPr>
             <a:lvl5pPr marL="1828800" indent="0">
               <a:buNone/>
-              <a:defRPr sz="1600">
+              <a:defRPr sz="1400">
                 <a:solidFill>
                   <a:schemeClr val="tx1">
                     <a:tint val="75000"/>
@@ -1002,7 +1047,7 @@
             </a:lvl5pPr>
             <a:lvl6pPr marL="2286000" indent="0">
               <a:buNone/>
-              <a:defRPr sz="1600">
+              <a:defRPr sz="1400">
                 <a:solidFill>
                   <a:schemeClr val="tx1">
                     <a:tint val="75000"/>
@@ -1012,7 +1057,7 @@
             </a:lvl6pPr>
             <a:lvl7pPr marL="2743200" indent="0">
               <a:buNone/>
-              <a:defRPr sz="1600">
+              <a:defRPr sz="1400">
                 <a:solidFill>
                   <a:schemeClr val="tx1">
                     <a:tint val="75000"/>
@@ -1022,7 +1067,7 @@
             </a:lvl7pPr>
             <a:lvl8pPr marL="3200400" indent="0">
               <a:buNone/>
-              <a:defRPr sz="1600">
+              <a:defRPr sz="1400">
                 <a:solidFill>
                   <a:schemeClr val="tx1">
                     <a:tint val="75000"/>
@@ -1032,7 +1077,7 @@
             </a:lvl8pPr>
             <a:lvl9pPr marL="3657600" indent="0">
               <a:buNone/>
-              <a:defRPr sz="1600">
+              <a:defRPr sz="1400">
                 <a:solidFill>
                   <a:schemeClr val="tx1">
                     <a:tint val="75000"/>
@@ -1052,7 +1097,7 @@
       </p:sp>
       <p:sp>
         <p:nvSpPr>
-          <p:cNvPr id="7" name="Date Placeholder 6"/>
+          <p:cNvPr id="4" name="Date Placeholder 3"/>
           <p:cNvSpPr>
             <a:spLocks noGrp="1"/>
           </p:cNvSpPr>
@@ -1067,7 +1112,7 @@
           <a:p>
             <a:fld id="{A566D3CB-1BEF-450D-BBCE-2F6901244D5C}" type="datetimeFigureOut">
               <a:rPr lang="ru-RU" smtClean="0"/>
-              <a:t>10.11.2022</a:t>
+              <a:t>08.11.2023</a:t>
             </a:fld>
             <a:endParaRPr lang="ru-RU"/>
           </a:p>
@@ -1075,7 +1120,7 @@
       </p:sp>
       <p:sp>
         <p:nvSpPr>
-          <p:cNvPr id="8" name="Footer Placeholder 7"/>
+          <p:cNvPr id="5" name="Footer Placeholder 4"/>
           <p:cNvSpPr>
             <a:spLocks noGrp="1"/>
           </p:cNvSpPr>
@@ -1094,7 +1139,7 @@
       </p:sp>
       <p:sp>
         <p:nvSpPr>
-          <p:cNvPr id="9" name="Slide Number Placeholder 8"/>
+          <p:cNvPr id="6" name="Slide Number Placeholder 5"/>
           <p:cNvSpPr>
             <a:spLocks noGrp="1"/>
           </p:cNvSpPr>
@@ -1118,12 +1163,12 @@
     </p:spTree>
     <p:extLst>
       <p:ext uri="{BB962C8B-B14F-4D97-AF65-F5344CB8AC3E}">
-        <p14:creationId xmlns:p14="http://schemas.microsoft.com/office/powerpoint/2010/main" val="1886378573"/>
+        <p14:creationId xmlns:p14="http://schemas.microsoft.com/office/powerpoint/2010/main" val="2819325899"/>
       </p:ext>
     </p:extLst>
   </p:cSld>
   <p:clrMapOvr>
-    <a:overrideClrMapping bg1="dk1" tx1="lt1" bg2="dk2" tx2="lt2" accent1="accent1" accent2="accent2" accent3="accent3" accent4="accent4" accent5="accent5" accent6="accent6" hlink="hlink" folHlink="folHlink"/>
+    <a:masterClrMapping/>
   </p:clrMapOvr>
 </p:sldLayout>
 </file>
@@ -1180,13 +1225,41 @@
         </p:nvSpPr>
         <p:spPr>
           <a:xfrm>
-            <a:off x="1581912" y="2638044"/>
-            <a:ext cx="4271771" cy="3101982"/>
+            <a:off x="676656" y="1998134"/>
+            <a:ext cx="4663440" cy="3767328"/>
           </a:xfrm>
         </p:spPr>
         <p:txBody>
           <a:bodyPr/>
-          <a:lstStyle/>
+          <a:lstStyle>
+            <a:lvl1pPr>
+              <a:defRPr sz="2400"/>
+            </a:lvl1pPr>
+            <a:lvl2pPr>
+              <a:defRPr sz="2000"/>
+            </a:lvl2pPr>
+            <a:lvl3pPr>
+              <a:defRPr sz="1800"/>
+            </a:lvl3pPr>
+            <a:lvl4pPr>
+              <a:defRPr sz="1600"/>
+            </a:lvl4pPr>
+            <a:lvl5pPr>
+              <a:defRPr sz="1600"/>
+            </a:lvl5pPr>
+            <a:lvl6pPr>
+              <a:defRPr sz="1600"/>
+            </a:lvl6pPr>
+            <a:lvl7pPr>
+              <a:defRPr sz="1600"/>
+            </a:lvl7pPr>
+            <a:lvl8pPr>
+              <a:defRPr sz="1600"/>
+            </a:lvl8pPr>
+            <a:lvl9pPr>
+              <a:defRPr sz="1600"/>
+            </a:lvl9pPr>
+          </a:lstStyle>
           <a:p>
             <a:pPr lvl="0"/>
             <a:r>
@@ -1237,13 +1310,41 @@
         </p:nvSpPr>
         <p:spPr>
           <a:xfrm>
-            <a:off x="6338315" y="2638044"/>
-            <a:ext cx="4270247" cy="3101982"/>
+            <a:off x="6011330" y="1998134"/>
+            <a:ext cx="4663440" cy="3767328"/>
           </a:xfrm>
         </p:spPr>
         <p:txBody>
           <a:bodyPr/>
-          <a:lstStyle/>
+          <a:lstStyle>
+            <a:lvl1pPr>
+              <a:defRPr sz="2400"/>
+            </a:lvl1pPr>
+            <a:lvl2pPr>
+              <a:defRPr sz="2000"/>
+            </a:lvl2pPr>
+            <a:lvl3pPr>
+              <a:defRPr sz="1800"/>
+            </a:lvl3pPr>
+            <a:lvl4pPr>
+              <a:defRPr sz="1600"/>
+            </a:lvl4pPr>
+            <a:lvl5pPr>
+              <a:defRPr sz="1600"/>
+            </a:lvl5pPr>
+            <a:lvl6pPr>
+              <a:defRPr sz="1600"/>
+            </a:lvl6pPr>
+            <a:lvl7pPr>
+              <a:defRPr sz="1600"/>
+            </a:lvl7pPr>
+            <a:lvl8pPr>
+              <a:defRPr sz="1600"/>
+            </a:lvl8pPr>
+            <a:lvl9pPr>
+              <a:defRPr sz="1600"/>
+            </a:lvl9pPr>
+          </a:lstStyle>
           <a:p>
             <a:pPr lvl="0"/>
             <a:r>
@@ -1284,7 +1385,7 @@
       </p:sp>
       <p:sp>
         <p:nvSpPr>
-          <p:cNvPr id="8" name="Date Placeholder 7"/>
+          <p:cNvPr id="5" name="Date Placeholder 4"/>
           <p:cNvSpPr>
             <a:spLocks noGrp="1"/>
           </p:cNvSpPr>
@@ -1299,7 +1400,7 @@
           <a:p>
             <a:fld id="{A566D3CB-1BEF-450D-BBCE-2F6901244D5C}" type="datetimeFigureOut">
               <a:rPr lang="ru-RU" smtClean="0"/>
-              <a:t>10.11.2022</a:t>
+              <a:t>08.11.2023</a:t>
             </a:fld>
             <a:endParaRPr lang="ru-RU"/>
           </a:p>
@@ -1307,7 +1408,7 @@
       </p:sp>
       <p:sp>
         <p:nvSpPr>
-          <p:cNvPr id="9" name="Footer Placeholder 8"/>
+          <p:cNvPr id="6" name="Footer Placeholder 5"/>
           <p:cNvSpPr>
             <a:spLocks noGrp="1"/>
           </p:cNvSpPr>
@@ -1326,7 +1427,7 @@
       </p:sp>
       <p:sp>
         <p:nvSpPr>
-          <p:cNvPr id="10" name="Slide Number Placeholder 9"/>
+          <p:cNvPr id="7" name="Slide Number Placeholder 6"/>
           <p:cNvSpPr>
             <a:spLocks noGrp="1"/>
           </p:cNvSpPr>
@@ -1350,7 +1451,7 @@
     </p:spTree>
     <p:extLst>
       <p:ext uri="{BB962C8B-B14F-4D97-AF65-F5344CB8AC3E}">
-        <p14:creationId xmlns:p14="http://schemas.microsoft.com/office/powerpoint/2010/main" val="1202476591"/>
+        <p14:creationId xmlns:p14="http://schemas.microsoft.com/office/powerpoint/2010/main" val="397983444"/>
       </p:ext>
     </p:extLst>
   </p:cSld>
@@ -1379,6 +1480,29 @@
       </p:grpSpPr>
       <p:sp>
         <p:nvSpPr>
+          <p:cNvPr id="10" name="Title 9"/>
+          <p:cNvSpPr>
+            <a:spLocks noGrp="1"/>
+          </p:cNvSpPr>
+          <p:nvPr>
+            <p:ph type="title"/>
+          </p:nvPr>
+        </p:nvSpPr>
+        <p:spPr/>
+        <p:txBody>
+          <a:bodyPr/>
+          <a:lstStyle/>
+          <a:p>
+            <a:r>
+              <a:rPr lang="ru-RU"/>
+              <a:t>Образец заголовка</a:t>
+            </a:r>
+            <a:endParaRPr lang="en-US" dirty="0"/>
+          </a:p>
+        </p:txBody>
+      </p:sp>
+      <p:sp>
+        <p:nvSpPr>
           <p:cNvPr id="3" name="Text Placeholder 2"/>
           <p:cNvSpPr>
             <a:spLocks noGrp="1"/>
@@ -1389,28 +1513,30 @@
         </p:nvSpPr>
         <p:spPr>
           <a:xfrm>
-            <a:off x="1583436" y="2313433"/>
-            <a:ext cx="4270248" cy="704087"/>
+            <a:off x="676656" y="2040467"/>
+            <a:ext cx="4663440" cy="723400"/>
           </a:xfrm>
         </p:spPr>
         <p:txBody>
-          <a:bodyPr anchor="b" anchorCtr="1">
+          <a:bodyPr anchor="ctr">
             <a:normAutofit/>
           </a:bodyPr>
           <a:lstStyle>
-            <a:lvl1pPr marL="0" indent="0" algn="ctr">
-              <a:buNone/>
-              <a:defRPr sz="1900" b="0" cap="all" spc="100" baseline="0">
+            <a:lvl1pPr marL="0" indent="0">
+              <a:buNone/>
+              <a:defRPr sz="2200" b="0" cap="all" baseline="0">
                 <a:solidFill>
-                  <a:schemeClr val="accent2">
-                    <a:lumMod val="75000"/>
+                  <a:schemeClr val="tx1">
+                    <a:lumMod val="85000"/>
+                    <a:lumOff val="15000"/>
                   </a:schemeClr>
                 </a:solidFill>
+                <a:latin typeface="+mj-lt"/>
               </a:defRPr>
             </a:lvl1pPr>
             <a:lvl2pPr marL="457200" indent="0">
               <a:buNone/>
-              <a:defRPr sz="1900" b="1"/>
+              <a:defRPr sz="2000" b="1"/>
             </a:lvl2pPr>
             <a:lvl3pPr marL="914400" indent="0">
               <a:buNone/>
@@ -1462,13 +1588,41 @@
         </p:nvSpPr>
         <p:spPr>
           <a:xfrm>
-            <a:off x="1583436" y="3143250"/>
-            <a:ext cx="4270248" cy="2596776"/>
+            <a:off x="676656" y="2753084"/>
+            <a:ext cx="4663440" cy="3200400"/>
           </a:xfrm>
         </p:spPr>
         <p:txBody>
           <a:bodyPr/>
-          <a:lstStyle/>
+          <a:lstStyle>
+            <a:lvl1pPr>
+              <a:defRPr sz="2400"/>
+            </a:lvl1pPr>
+            <a:lvl2pPr>
+              <a:defRPr sz="2000"/>
+            </a:lvl2pPr>
+            <a:lvl3pPr>
+              <a:defRPr sz="1800"/>
+            </a:lvl3pPr>
+            <a:lvl4pPr>
+              <a:defRPr sz="1600"/>
+            </a:lvl4pPr>
+            <a:lvl5pPr>
+              <a:defRPr sz="1600"/>
+            </a:lvl5pPr>
+            <a:lvl6pPr>
+              <a:defRPr sz="1600"/>
+            </a:lvl6pPr>
+            <a:lvl7pPr>
+              <a:defRPr sz="1600"/>
+            </a:lvl7pPr>
+            <a:lvl8pPr>
+              <a:defRPr sz="1600"/>
+            </a:lvl8pPr>
+            <a:lvl9pPr>
+              <a:defRPr sz="1600"/>
+            </a:lvl9pPr>
+          </a:lstStyle>
           <a:p>
             <a:pPr lvl="0"/>
             <a:r>
@@ -1509,99 +1663,40 @@
       </p:sp>
       <p:sp>
         <p:nvSpPr>
-          <p:cNvPr id="6" name="Content Placeholder 5"/>
-          <p:cNvSpPr>
-            <a:spLocks noGrp="1"/>
-          </p:cNvSpPr>
-          <p:nvPr>
-            <p:ph sz="quarter" idx="4"/>
+          <p:cNvPr id="5" name="Text Placeholder 4"/>
+          <p:cNvSpPr>
+            <a:spLocks noGrp="1"/>
+          </p:cNvSpPr>
+          <p:nvPr>
+            <p:ph type="body" sz="quarter" idx="3"/>
           </p:nvPr>
         </p:nvSpPr>
         <p:spPr>
           <a:xfrm>
-            <a:off x="6338316" y="3143250"/>
-            <a:ext cx="4253484" cy="2596776"/>
+            <a:off x="6007608" y="2038435"/>
+            <a:ext cx="4663440" cy="722376"/>
           </a:xfrm>
         </p:spPr>
         <p:txBody>
-          <a:bodyPr/>
-          <a:lstStyle>
-            <a:lvl5pPr>
-              <a:defRPr/>
-            </a:lvl5pPr>
-          </a:lstStyle>
-          <a:p>
-            <a:pPr lvl="0"/>
-            <a:r>
-              <a:rPr lang="ru-RU"/>
-              <a:t>Образец текста</a:t>
-            </a:r>
-          </a:p>
-          <a:p>
-            <a:pPr lvl="1"/>
-            <a:r>
-              <a:rPr lang="ru-RU"/>
-              <a:t>Второй уровень</a:t>
-            </a:r>
-          </a:p>
-          <a:p>
-            <a:pPr lvl="2"/>
-            <a:r>
-              <a:rPr lang="ru-RU"/>
-              <a:t>Третий уровень</a:t>
-            </a:r>
-          </a:p>
-          <a:p>
-            <a:pPr lvl="3"/>
-            <a:r>
-              <a:rPr lang="ru-RU"/>
-              <a:t>Четвертый уровень</a:t>
-            </a:r>
-          </a:p>
-          <a:p>
-            <a:pPr lvl="4"/>
-            <a:r>
-              <a:rPr lang="ru-RU"/>
-              <a:t>Пятый уровень</a:t>
-            </a:r>
-            <a:endParaRPr lang="en-US" dirty="0"/>
-          </a:p>
-        </p:txBody>
-      </p:sp>
-      <p:sp>
-        <p:nvSpPr>
-          <p:cNvPr id="11" name="Text Placeholder 4"/>
-          <p:cNvSpPr>
-            <a:spLocks noGrp="1"/>
-          </p:cNvSpPr>
-          <p:nvPr>
-            <p:ph type="body" sz="quarter" idx="13"/>
-          </p:nvPr>
-        </p:nvSpPr>
-        <p:spPr>
-          <a:xfrm>
-            <a:off x="6338316" y="2313433"/>
-            <a:ext cx="4270248" cy="704087"/>
-          </a:xfrm>
-        </p:spPr>
-        <p:txBody>
-          <a:bodyPr anchor="b" anchorCtr="1">
+          <a:bodyPr anchor="ctr">
             <a:normAutofit/>
           </a:bodyPr>
           <a:lstStyle>
-            <a:lvl1pPr marL="0" indent="0" algn="ctr">
-              <a:buNone/>
-              <a:defRPr sz="1900" b="0" cap="all" spc="100" baseline="0">
+            <a:lvl1pPr marL="0" indent="0">
+              <a:buNone/>
+              <a:defRPr sz="2200" b="0" cap="all" baseline="0">
                 <a:solidFill>
-                  <a:schemeClr val="accent2">
-                    <a:lumMod val="75000"/>
+                  <a:schemeClr val="tx1">
+                    <a:lumMod val="85000"/>
+                    <a:lumOff val="15000"/>
                   </a:schemeClr>
                 </a:solidFill>
+                <a:latin typeface="+mj-lt"/>
               </a:defRPr>
             </a:lvl1pPr>
             <a:lvl2pPr marL="457200" indent="0">
               <a:buNone/>
-              <a:defRPr sz="1900" b="1"/>
+              <a:defRPr sz="2000" b="1"/>
             </a:lvl2pPr>
             <a:lvl3pPr marL="914400" indent="0">
               <a:buNone/>
@@ -1643,6 +1738,91 @@
       </p:sp>
       <p:sp>
         <p:nvSpPr>
+          <p:cNvPr id="6" name="Content Placeholder 5"/>
+          <p:cNvSpPr>
+            <a:spLocks noGrp="1"/>
+          </p:cNvSpPr>
+          <p:nvPr>
+            <p:ph sz="quarter" idx="4"/>
+          </p:nvPr>
+        </p:nvSpPr>
+        <p:spPr>
+          <a:xfrm>
+            <a:off x="6007608" y="2750990"/>
+            <a:ext cx="4663440" cy="3200400"/>
+          </a:xfrm>
+        </p:spPr>
+        <p:txBody>
+          <a:bodyPr/>
+          <a:lstStyle>
+            <a:lvl1pPr>
+              <a:defRPr sz="2400"/>
+            </a:lvl1pPr>
+            <a:lvl2pPr>
+              <a:defRPr sz="2000"/>
+            </a:lvl2pPr>
+            <a:lvl3pPr>
+              <a:defRPr sz="1800"/>
+            </a:lvl3pPr>
+            <a:lvl4pPr>
+              <a:defRPr sz="1600"/>
+            </a:lvl4pPr>
+            <a:lvl5pPr>
+              <a:defRPr sz="1600"/>
+            </a:lvl5pPr>
+            <a:lvl6pPr>
+              <a:defRPr sz="1600"/>
+            </a:lvl6pPr>
+            <a:lvl7pPr>
+              <a:defRPr sz="1600"/>
+            </a:lvl7pPr>
+            <a:lvl8pPr>
+              <a:defRPr sz="1600"/>
+            </a:lvl8pPr>
+            <a:lvl9pPr>
+              <a:defRPr sz="1600"/>
+            </a:lvl9pPr>
+          </a:lstStyle>
+          <a:p>
+            <a:pPr lvl="0"/>
+            <a:r>
+              <a:rPr lang="ru-RU"/>
+              <a:t>Образец текста</a:t>
+            </a:r>
+          </a:p>
+          <a:p>
+            <a:pPr lvl="1"/>
+            <a:r>
+              <a:rPr lang="ru-RU"/>
+              <a:t>Второй уровень</a:t>
+            </a:r>
+          </a:p>
+          <a:p>
+            <a:pPr lvl="2"/>
+            <a:r>
+              <a:rPr lang="ru-RU"/>
+              <a:t>Третий уровень</a:t>
+            </a:r>
+          </a:p>
+          <a:p>
+            <a:pPr lvl="3"/>
+            <a:r>
+              <a:rPr lang="ru-RU"/>
+              <a:t>Четвертый уровень</a:t>
+            </a:r>
+          </a:p>
+          <a:p>
+            <a:pPr lvl="4"/>
+            <a:r>
+              <a:rPr lang="ru-RU"/>
+              <a:t>Пятый уровень</a:t>
+            </a:r>
+            <a:endParaRPr lang="en-US" dirty="0"/>
+          </a:p>
+        </p:txBody>
+      </p:sp>
+      <p:sp>
+        <p:nvSpPr>
           <p:cNvPr id="7" name="Date Placeholder 6"/>
           <p:cNvSpPr>
             <a:spLocks noGrp="1"/>
@@ -1658,7 +1838,7 @@
           <a:p>
             <a:fld id="{A566D3CB-1BEF-450D-BBCE-2F6901244D5C}" type="datetimeFigureOut">
               <a:rPr lang="ru-RU" smtClean="0"/>
-              <a:t>10.11.2022</a:t>
+              <a:t>08.11.2023</a:t>
             </a:fld>
             <a:endParaRPr lang="ru-RU"/>
           </a:p>
@@ -1706,33 +1886,10 @@
           </a:p>
         </p:txBody>
       </p:sp>
-      <p:sp>
-        <p:nvSpPr>
-          <p:cNvPr id="10" name="Title 9"/>
-          <p:cNvSpPr>
-            <a:spLocks noGrp="1"/>
-          </p:cNvSpPr>
-          <p:nvPr>
-            <p:ph type="title"/>
-          </p:nvPr>
-        </p:nvSpPr>
-        <p:spPr/>
-        <p:txBody>
-          <a:bodyPr/>
-          <a:lstStyle/>
-          <a:p>
-            <a:r>
-              <a:rPr lang="ru-RU"/>
-              <a:t>Образец заголовка</a:t>
-            </a:r>
-            <a:endParaRPr lang="en-US" dirty="0"/>
-          </a:p>
-        </p:txBody>
-      </p:sp>
     </p:spTree>
     <p:extLst>
       <p:ext uri="{BB962C8B-B14F-4D97-AF65-F5344CB8AC3E}">
-        <p14:creationId xmlns:p14="http://schemas.microsoft.com/office/powerpoint/2010/main" val="2624778935"/>
+        <p14:creationId xmlns:p14="http://schemas.microsoft.com/office/powerpoint/2010/main" val="1603477239"/>
       </p:ext>
     </p:extLst>
   </p:cSld>
@@ -1761,7 +1918,7 @@
       </p:grpSpPr>
       <p:sp>
         <p:nvSpPr>
-          <p:cNvPr id="2" name="Title 1"/>
+          <p:cNvPr id="6" name="Title 5"/>
           <p:cNvSpPr>
             <a:spLocks noGrp="1"/>
           </p:cNvSpPr>
@@ -1799,7 +1956,7 @@
           <a:p>
             <a:fld id="{A566D3CB-1BEF-450D-BBCE-2F6901244D5C}" type="datetimeFigureOut">
               <a:rPr lang="ru-RU" smtClean="0"/>
-              <a:t>10.11.2022</a:t>
+              <a:t>08.11.2023</a:t>
             </a:fld>
             <a:endParaRPr lang="ru-RU"/>
           </a:p>
@@ -1850,7 +2007,7 @@
     </p:spTree>
     <p:extLst>
       <p:ext uri="{BB962C8B-B14F-4D97-AF65-F5344CB8AC3E}">
-        <p14:creationId xmlns:p14="http://schemas.microsoft.com/office/powerpoint/2010/main" val="102363545"/>
+        <p14:creationId xmlns:p14="http://schemas.microsoft.com/office/powerpoint/2010/main" val="1642210823"/>
       </p:ext>
     </p:extLst>
   </p:cSld>
@@ -1894,7 +2051,7 @@
           <a:p>
             <a:fld id="{A566D3CB-1BEF-450D-BBCE-2F6901244D5C}" type="datetimeFigureOut">
               <a:rPr lang="ru-RU" smtClean="0"/>
-              <a:t>10.11.2022</a:t>
+              <a:t>08.11.2023</a:t>
             </a:fld>
             <a:endParaRPr lang="ru-RU"/>
           </a:p>
@@ -1945,7 +2102,7 @@
     </p:spTree>
     <p:extLst>
       <p:ext uri="{BB962C8B-B14F-4D97-AF65-F5344CB8AC3E}">
-        <p14:creationId xmlns:p14="http://schemas.microsoft.com/office/powerpoint/2010/main" val="212733119"/>
+        <p14:creationId xmlns:p14="http://schemas.microsoft.com/office/powerpoint/2010/main" val="781318748"/>
       </p:ext>
     </p:extLst>
   </p:cSld>
@@ -1974,21 +2131,18 @@
       </p:grpSpPr>
       <p:sp>
         <p:nvSpPr>
-          <p:cNvPr id="26" name="Rectangle 25"/>
+          <p:cNvPr id="2" name="Rectangle 1"/>
           <p:cNvSpPr/>
           <p:nvPr/>
         </p:nvSpPr>
         <p:spPr>
           <a:xfrm>
-            <a:off x="0" y="0"/>
-            <a:ext cx="6096000" cy="6858000"/>
+            <a:off x="7620000" y="0"/>
+            <a:ext cx="4572000" cy="6858000"/>
           </a:xfrm>
           <a:prstGeom prst="rect">
             <a:avLst/>
           </a:prstGeom>
-          <a:solidFill>
-            <a:schemeClr val="accent2"/>
-          </a:solidFill>
           <a:ln>
             <a:noFill/>
           </a:ln>
@@ -2012,7 +2166,7 @@
       </p:sp>
       <p:sp>
         <p:nvSpPr>
-          <p:cNvPr id="2" name="Title 1"/>
+          <p:cNvPr id="9" name="Title 8"/>
           <p:cNvSpPr>
             <a:spLocks noGrp="1"/>
           </p:cNvSpPr>
@@ -2020,223 +2174,225 @@
             <p:ph type="title"/>
           </p:nvPr>
         </p:nvSpPr>
-        <p:spPr bwMode="blackWhite">
+        <p:spPr>
           <a:xfrm>
-            <a:off x="804672" y="2243828"/>
-            <a:ext cx="4486656" cy="1141497"/>
+            <a:off x="8261404" y="542282"/>
+            <a:ext cx="3383280" cy="1920240"/>
           </a:xfrm>
-          <a:solidFill>
-            <a:srgbClr val="FFFFFF"/>
-          </a:solidFill>
-          <a:ln>
-            <a:solidFill>
-              <a:srgbClr val="404040"/>
-            </a:solidFill>
-          </a:ln>
         </p:spPr>
         <p:txBody>
-          <a:bodyPr anchor="ctr" anchorCtr="1">
+          <a:bodyPr anchor="b">
+            <a:noAutofit/>
+          </a:bodyPr>
+          <a:lstStyle>
+            <a:lvl1pPr>
+              <a:lnSpc>
+                <a:spcPct val="85000"/>
+              </a:lnSpc>
+              <a:defRPr sz="4000">
+                <a:solidFill>
+                  <a:srgbClr val="FFFFFF"/>
+                </a:solidFill>
+              </a:defRPr>
+            </a:lvl1pPr>
+          </a:lstStyle>
+          <a:p>
+            <a:r>
+              <a:rPr lang="ru-RU"/>
+              <a:t>Образец заголовка</a:t>
+            </a:r>
+            <a:endParaRPr lang="en-US" dirty="0"/>
+          </a:p>
+        </p:txBody>
+      </p:sp>
+      <p:sp>
+        <p:nvSpPr>
+          <p:cNvPr id="3" name="Content Placeholder 2"/>
+          <p:cNvSpPr>
+            <a:spLocks noGrp="1"/>
+          </p:cNvSpPr>
+          <p:nvPr>
+            <p:ph idx="1"/>
+          </p:nvPr>
+        </p:nvSpPr>
+        <p:spPr>
+          <a:xfrm>
+            <a:off x="762000" y="762000"/>
+            <a:ext cx="6096000" cy="4572000"/>
+          </a:xfrm>
+        </p:spPr>
+        <p:txBody>
+          <a:bodyPr/>
+          <a:lstStyle>
+            <a:lvl1pPr>
+              <a:defRPr sz="3200"/>
+            </a:lvl1pPr>
+            <a:lvl2pPr>
+              <a:defRPr sz="2800"/>
+            </a:lvl2pPr>
+            <a:lvl3pPr>
+              <a:defRPr sz="2400"/>
+            </a:lvl3pPr>
+            <a:lvl4pPr>
+              <a:defRPr sz="2000"/>
+            </a:lvl4pPr>
+            <a:lvl5pPr>
+              <a:defRPr sz="2000"/>
+            </a:lvl5pPr>
+            <a:lvl6pPr>
+              <a:defRPr sz="2000"/>
+            </a:lvl6pPr>
+            <a:lvl7pPr>
+              <a:defRPr sz="2000"/>
+            </a:lvl7pPr>
+            <a:lvl8pPr>
+              <a:defRPr sz="2000"/>
+            </a:lvl8pPr>
+            <a:lvl9pPr>
+              <a:defRPr sz="2000"/>
+            </a:lvl9pPr>
+          </a:lstStyle>
+          <a:p>
+            <a:pPr lvl="0"/>
+            <a:r>
+              <a:rPr lang="ru-RU"/>
+              <a:t>Образец текста</a:t>
+            </a:r>
+          </a:p>
+          <a:p>
+            <a:pPr lvl="1"/>
+            <a:r>
+              <a:rPr lang="ru-RU"/>
+              <a:t>Второй уровень</a:t>
+            </a:r>
+          </a:p>
+          <a:p>
+            <a:pPr lvl="2"/>
+            <a:r>
+              <a:rPr lang="ru-RU"/>
+              <a:t>Третий уровень</a:t>
+            </a:r>
+          </a:p>
+          <a:p>
+            <a:pPr lvl="3"/>
+            <a:r>
+              <a:rPr lang="ru-RU"/>
+              <a:t>Четвертый уровень</a:t>
+            </a:r>
+          </a:p>
+          <a:p>
+            <a:pPr lvl="4"/>
+            <a:r>
+              <a:rPr lang="ru-RU"/>
+              <a:t>Пятый уровень</a:t>
+            </a:r>
+            <a:endParaRPr lang="en-US" dirty="0"/>
+          </a:p>
+        </p:txBody>
+      </p:sp>
+      <p:sp>
+        <p:nvSpPr>
+          <p:cNvPr id="4" name="Text Placeholder 3"/>
+          <p:cNvSpPr>
+            <a:spLocks noGrp="1"/>
+          </p:cNvSpPr>
+          <p:nvPr>
+            <p:ph type="body" sz="half" idx="2"/>
+          </p:nvPr>
+        </p:nvSpPr>
+        <p:spPr>
+          <a:xfrm>
+            <a:off x="8275982" y="2511813"/>
+            <a:ext cx="3398520" cy="3126987"/>
+          </a:xfrm>
+        </p:spPr>
+        <p:txBody>
+          <a:bodyPr>
             <a:normAutofit/>
           </a:bodyPr>
           <a:lstStyle>
-            <a:lvl1pPr>
-              <a:defRPr sz="2200">
+            <a:lvl1pPr marL="0" marR="0" indent="0" algn="l" defTabSz="914400" rtl="0" eaLnBrk="1" fontAlgn="auto" latinLnBrk="0" hangingPunct="1">
+              <a:lnSpc>
+                <a:spcPct val="100000"/>
+              </a:lnSpc>
+              <a:spcBef>
+                <a:spcPts val="1200"/>
+              </a:spcBef>
+              <a:spcAft>
+                <a:spcPts val="0"/>
+              </a:spcAft>
+              <a:buClrTx/>
+              <a:buSzTx/>
+              <a:buFontTx/>
+              <a:buNone/>
+              <a:tabLst/>
+              <a:defRPr sz="1800">
                 <a:solidFill>
                   <a:srgbClr val="262626"/>
                 </a:solidFill>
               </a:defRPr>
             </a:lvl1pPr>
-          </a:lstStyle>
-          <a:p>
-            <a:r>
-              <a:rPr lang="ru-RU"/>
-              <a:t>Образец заголовка</a:t>
-            </a:r>
-            <a:endParaRPr lang="en-US" dirty="0"/>
-          </a:p>
-        </p:txBody>
-      </p:sp>
-      <p:sp>
-        <p:nvSpPr>
-          <p:cNvPr id="3" name="Content Placeholder 2"/>
-          <p:cNvSpPr>
-            <a:spLocks noGrp="1"/>
-          </p:cNvSpPr>
-          <p:nvPr>
-            <p:ph idx="1"/>
-          </p:nvPr>
-        </p:nvSpPr>
-        <p:spPr>
-          <a:xfrm>
-            <a:off x="6736080" y="804672"/>
-            <a:ext cx="4815840" cy="5248656"/>
-          </a:xfrm>
-        </p:spPr>
-        <p:txBody>
-          <a:bodyPr>
-            <a:normAutofit/>
-          </a:bodyPr>
-          <a:lstStyle>
-            <a:lvl1pPr>
-              <a:defRPr sz="1900">
-                <a:solidFill>
-                  <a:schemeClr val="tx1"/>
-                </a:solidFill>
-              </a:defRPr>
-            </a:lvl1pPr>
-            <a:lvl2pPr>
-              <a:defRPr sz="1600">
-                <a:solidFill>
-                  <a:schemeClr val="tx1"/>
-                </a:solidFill>
-              </a:defRPr>
+            <a:lvl2pPr marL="457200" indent="0">
+              <a:buNone/>
+              <a:defRPr sz="1200"/>
             </a:lvl2pPr>
-            <a:lvl3pPr>
-              <a:defRPr sz="1600">
-                <a:solidFill>
-                  <a:schemeClr val="tx1"/>
-                </a:solidFill>
-              </a:defRPr>
+            <a:lvl3pPr marL="914400" indent="0">
+              <a:buNone/>
+              <a:defRPr sz="1000"/>
             </a:lvl3pPr>
-            <a:lvl4pPr>
-              <a:defRPr sz="1600">
-                <a:solidFill>
-                  <a:schemeClr val="tx1"/>
-                </a:solidFill>
-              </a:defRPr>
+            <a:lvl4pPr marL="1371600" indent="0">
+              <a:buNone/>
+              <a:defRPr sz="900"/>
             </a:lvl4pPr>
-            <a:lvl5pPr>
-              <a:defRPr sz="1600">
-                <a:solidFill>
-                  <a:schemeClr val="tx1"/>
-                </a:solidFill>
-              </a:defRPr>
+            <a:lvl5pPr marL="1828800" indent="0">
+              <a:buNone/>
+              <a:defRPr sz="900"/>
             </a:lvl5pPr>
-            <a:lvl6pPr>
-              <a:defRPr sz="1600"/>
+            <a:lvl6pPr marL="2286000" indent="0">
+              <a:buNone/>
+              <a:defRPr sz="900"/>
             </a:lvl6pPr>
-            <a:lvl7pPr>
-              <a:defRPr sz="1600"/>
+            <a:lvl7pPr marL="2743200" indent="0">
+              <a:buNone/>
+              <a:defRPr sz="900"/>
             </a:lvl7pPr>
-            <a:lvl8pPr>
-              <a:defRPr sz="1600"/>
+            <a:lvl8pPr marL="3200400" indent="0">
+              <a:buNone/>
+              <a:defRPr sz="900"/>
             </a:lvl8pPr>
-            <a:lvl9pPr>
-              <a:defRPr sz="1600"/>
+            <a:lvl9pPr marL="3657600" indent="0">
+              <a:buNone/>
+              <a:defRPr sz="900"/>
             </a:lvl9pPr>
           </a:lstStyle>
           <a:p>
-            <a:pPr lvl="0"/>
+            <a:pPr marL="0" marR="0" lvl="0" indent="0" algn="l" defTabSz="914400" rtl="0" eaLnBrk="1" fontAlgn="auto" latinLnBrk="0" hangingPunct="1">
+              <a:lnSpc>
+                <a:spcPct val="100000"/>
+              </a:lnSpc>
+              <a:spcBef>
+                <a:spcPts val="1400"/>
+              </a:spcBef>
+              <a:spcAft>
+                <a:spcPts val="0"/>
+              </a:spcAft>
+              <a:buClrTx/>
+              <a:buSzTx/>
+              <a:buFontTx/>
+              <a:buNone/>
+              <a:tabLst/>
+              <a:defRPr/>
+            </a:pPr>
             <a:r>
               <a:rPr lang="ru-RU"/>
               <a:t>Образец текста</a:t>
             </a:r>
           </a:p>
-          <a:p>
-            <a:pPr lvl="1"/>
-            <a:r>
-              <a:rPr lang="ru-RU"/>
-              <a:t>Второй уровень</a:t>
-            </a:r>
-          </a:p>
-          <a:p>
-            <a:pPr lvl="2"/>
-            <a:r>
-              <a:rPr lang="ru-RU"/>
-              <a:t>Третий уровень</a:t>
-            </a:r>
-          </a:p>
-          <a:p>
-            <a:pPr lvl="3"/>
-            <a:r>
-              <a:rPr lang="ru-RU"/>
-              <a:t>Четвертый уровень</a:t>
-            </a:r>
-          </a:p>
-          <a:p>
-            <a:pPr lvl="4"/>
-            <a:r>
-              <a:rPr lang="ru-RU"/>
-              <a:t>Пятый уровень</a:t>
-            </a:r>
-            <a:endParaRPr lang="en-US" dirty="0"/>
-          </a:p>
-        </p:txBody>
-      </p:sp>
-      <p:sp>
-        <p:nvSpPr>
-          <p:cNvPr id="4" name="Text Placeholder 3"/>
-          <p:cNvSpPr>
-            <a:spLocks noGrp="1"/>
-          </p:cNvSpPr>
-          <p:nvPr>
-            <p:ph type="body" sz="half" idx="2"/>
-          </p:nvPr>
-        </p:nvSpPr>
-        <p:spPr>
-          <a:xfrm>
-            <a:off x="1115568" y="3549918"/>
-            <a:ext cx="3794760" cy="2194036"/>
-          </a:xfrm>
-        </p:spPr>
-        <p:txBody>
-          <a:bodyPr anchor="t" anchorCtr="1">
-            <a:normAutofit/>
-          </a:bodyPr>
-          <a:lstStyle>
-            <a:lvl1pPr marL="0" indent="0" algn="ctr">
-              <a:buNone/>
-              <a:defRPr sz="1500">
-                <a:solidFill>
-                  <a:srgbClr val="FFFFFF"/>
-                </a:solidFill>
-              </a:defRPr>
-            </a:lvl1pPr>
-            <a:lvl2pPr marL="457200" indent="0">
-              <a:buNone/>
-              <a:defRPr sz="1400"/>
-            </a:lvl2pPr>
-            <a:lvl3pPr marL="914400" indent="0">
-              <a:buNone/>
-              <a:defRPr sz="1200"/>
-            </a:lvl3pPr>
-            <a:lvl4pPr marL="1371600" indent="0">
-              <a:buNone/>
-              <a:defRPr sz="1000"/>
-            </a:lvl4pPr>
-            <a:lvl5pPr marL="1828800" indent="0">
-              <a:buNone/>
-              <a:defRPr sz="1000"/>
-            </a:lvl5pPr>
-            <a:lvl6pPr marL="2286000" indent="0">
-              <a:buNone/>
-              <a:defRPr sz="1000"/>
-            </a:lvl6pPr>
-            <a:lvl7pPr marL="2743200" indent="0">
-              <a:buNone/>
-              <a:defRPr sz="1000"/>
-            </a:lvl7pPr>
-            <a:lvl8pPr marL="3200400" indent="0">
-              <a:buNone/>
-              <a:defRPr sz="1000"/>
-            </a:lvl8pPr>
-            <a:lvl9pPr marL="3657600" indent="0">
-              <a:buNone/>
-              <a:defRPr sz="1000"/>
-            </a:lvl9pPr>
-          </a:lstStyle>
-          <a:p>
-            <a:pPr lvl="0"/>
-            <a:r>
-              <a:rPr lang="ru-RU"/>
-              <a:t>Образец текста</a:t>
-            </a:r>
-          </a:p>
-        </p:txBody>
-      </p:sp>
-      <p:sp>
-        <p:nvSpPr>
-          <p:cNvPr id="9" name="Date Placeholder 8"/>
+        </p:txBody>
+      </p:sp>
+      <p:sp>
+        <p:nvSpPr>
+          <p:cNvPr id="5" name="Date Placeholder 4"/>
           <p:cNvSpPr>
             <a:spLocks noGrp="1"/>
           </p:cNvSpPr>
@@ -2251,7 +2407,7 @@
           <a:p>
             <a:fld id="{A566D3CB-1BEF-450D-BBCE-2F6901244D5C}" type="datetimeFigureOut">
               <a:rPr lang="ru-RU" smtClean="0"/>
-              <a:t>10.11.2022</a:t>
+              <a:t>08.11.2023</a:t>
             </a:fld>
             <a:endParaRPr lang="ru-RU"/>
           </a:p>
@@ -2259,7 +2415,7 @@
       </p:sp>
       <p:sp>
         <p:nvSpPr>
-          <p:cNvPr id="10" name="Footer Placeholder 9"/>
+          <p:cNvPr id="6" name="Footer Placeholder 5"/>
           <p:cNvSpPr>
             <a:spLocks noGrp="1"/>
           </p:cNvSpPr>
@@ -2267,12 +2423,26 @@
             <p:ph type="ftr" sz="quarter" idx="11"/>
           </p:nvPr>
         </p:nvSpPr>
-        <p:spPr>
-          <a:xfrm>
-            <a:off x="804672" y="6236208"/>
-            <a:ext cx="5124797" cy="320040"/>
-          </a:xfrm>
-        </p:spPr>
+        <p:spPr/>
+        <p:txBody>
+          <a:bodyPr/>
+          <a:lstStyle/>
+          <a:p>
+            <a:endParaRPr lang="ru-RU"/>
+          </a:p>
+        </p:txBody>
+      </p:sp>
+      <p:sp>
+        <p:nvSpPr>
+          <p:cNvPr id="7" name="Slide Number Placeholder 6"/>
+          <p:cNvSpPr>
+            <a:spLocks noGrp="1"/>
+          </p:cNvSpPr>
+          <p:nvPr>
+            <p:ph type="sldNum" sz="quarter" idx="12"/>
+          </p:nvPr>
+        </p:nvSpPr>
+        <p:spPr/>
         <p:txBody>
           <a:bodyPr/>
           <a:lstStyle>
@@ -2280,32 +2450,13 @@
               <a:defRPr>
                 <a:solidFill>
                   <a:srgbClr val="FFFFFF">
-                    <a:alpha val="70000"/>
+                    <a:alpha val="20000"/>
                   </a:srgbClr>
                 </a:solidFill>
               </a:defRPr>
             </a:lvl1pPr>
           </a:lstStyle>
           <a:p>
-            <a:endParaRPr lang="ru-RU"/>
-          </a:p>
-        </p:txBody>
-      </p:sp>
-      <p:sp>
-        <p:nvSpPr>
-          <p:cNvPr id="11" name="Slide Number Placeholder 10"/>
-          <p:cNvSpPr>
-            <a:spLocks noGrp="1"/>
-          </p:cNvSpPr>
-          <p:nvPr>
-            <p:ph type="sldNum" sz="quarter" idx="12"/>
-          </p:nvPr>
-        </p:nvSpPr>
-        <p:spPr/>
-        <p:txBody>
-          <a:bodyPr/>
-          <a:lstStyle/>
-          <a:p>
             <a:fld id="{348182ED-62CA-4A1F-BD14-7AA4F43B338B}" type="slidenum">
               <a:rPr lang="ru-RU" smtClean="0"/>
               <a:t>‹#›</a:t>
@@ -2317,7 +2468,7 @@
     </p:spTree>
     <p:extLst>
       <p:ext uri="{BB962C8B-B14F-4D97-AF65-F5344CB8AC3E}">
-        <p14:creationId xmlns:p14="http://schemas.microsoft.com/office/powerpoint/2010/main" val="1771720765"/>
+        <p14:creationId xmlns:p14="http://schemas.microsoft.com/office/powerpoint/2010/main" val="2281966635"/>
       </p:ext>
     </p:extLst>
   </p:cSld>
@@ -2330,369 +2481,10 @@
 <file path=ppt/slideLayouts/slideLayout9.xml><?xml version="1.0" encoding="utf-8"?>
 <p:sldLayout xmlns:a="http://schemas.openxmlformats.org/drawingml/2006/main" xmlns:r="http://schemas.openxmlformats.org/officeDocument/2006/relationships" xmlns:p="http://schemas.openxmlformats.org/presentationml/2006/main" type="picTx" preserve="1">
   <p:cSld name="Рисунок с подписью">
-    <p:spTree>
-      <p:nvGrpSpPr>
-        <p:cNvPr id="1" name=""/>
-        <p:cNvGrpSpPr/>
-        <p:nvPr/>
-      </p:nvGrpSpPr>
-      <p:grpSpPr>
-        <a:xfrm>
-          <a:off x="0" y="0"/>
-          <a:ext cx="0" cy="0"/>
-          <a:chOff x="0" y="0"/>
-          <a:chExt cx="0" cy="0"/>
-        </a:xfrm>
-      </p:grpSpPr>
-      <p:sp>
-        <p:nvSpPr>
-          <p:cNvPr id="18" name="Rectangle 17"/>
-          <p:cNvSpPr/>
-          <p:nvPr/>
-        </p:nvSpPr>
-        <p:spPr>
-          <a:xfrm>
-            <a:off x="0" y="0"/>
-            <a:ext cx="6095999" cy="6858000"/>
-          </a:xfrm>
-          <a:prstGeom prst="rect">
-            <a:avLst/>
-          </a:prstGeom>
-          <a:solidFill>
-            <a:schemeClr val="accent2"/>
-          </a:solidFill>
-          <a:ln>
-            <a:noFill/>
-          </a:ln>
-        </p:spPr>
-        <p:style>
-          <a:lnRef idx="2">
-            <a:schemeClr val="accent1">
-              <a:shade val="50000"/>
-            </a:schemeClr>
-          </a:lnRef>
-          <a:fillRef idx="1">
-            <a:schemeClr val="accent1"/>
-          </a:fillRef>
-          <a:effectRef idx="0">
-            <a:schemeClr val="accent1"/>
-          </a:effectRef>
-          <a:fontRef idx="minor">
-            <a:schemeClr val="lt1"/>
-          </a:fontRef>
-        </p:style>
-      </p:sp>
-      <p:sp>
-        <p:nvSpPr>
-          <p:cNvPr id="2" name="Title 1"/>
-          <p:cNvSpPr>
-            <a:spLocks noGrp="1"/>
-          </p:cNvSpPr>
-          <p:nvPr>
-            <p:ph type="title"/>
-          </p:nvPr>
-        </p:nvSpPr>
-        <p:spPr bwMode="blackWhite">
-          <a:xfrm>
-            <a:off x="808523" y="2243828"/>
-            <a:ext cx="4494998" cy="1134640"/>
-          </a:xfrm>
-          <a:solidFill>
-            <a:srgbClr val="FFFFFF"/>
-          </a:solidFill>
-          <a:ln>
-            <a:solidFill>
-              <a:srgbClr val="404040"/>
-            </a:solidFill>
-          </a:ln>
-        </p:spPr>
-        <p:txBody>
-          <a:bodyPr anchor="ctr" anchorCtr="1">
-            <a:noAutofit/>
-          </a:bodyPr>
-          <a:lstStyle>
-            <a:lvl1pPr>
-              <a:defRPr sz="2200">
-                <a:solidFill>
-                  <a:srgbClr val="262626"/>
-                </a:solidFill>
-              </a:defRPr>
-            </a:lvl1pPr>
-          </a:lstStyle>
-          <a:p>
-            <a:r>
-              <a:rPr lang="ru-RU"/>
-              <a:t>Образец заголовка</a:t>
-            </a:r>
-            <a:endParaRPr lang="en-US" dirty="0"/>
-          </a:p>
-        </p:txBody>
-      </p:sp>
-      <p:sp>
-        <p:nvSpPr>
-          <p:cNvPr id="3" name="Picture Placeholder 2"/>
-          <p:cNvSpPr>
-            <a:spLocks noGrp="1" noChangeAspect="1"/>
-          </p:cNvSpPr>
-          <p:nvPr>
-            <p:ph type="pic" idx="1"/>
-          </p:nvPr>
-        </p:nvSpPr>
-        <p:spPr>
-          <a:xfrm>
-            <a:off x="6095999" y="0"/>
-            <a:ext cx="6102097" cy="6858000"/>
-          </a:xfrm>
-          <a:solidFill>
-            <a:schemeClr val="bg1">
-              <a:lumMod val="75000"/>
-            </a:schemeClr>
-          </a:solidFill>
-        </p:spPr>
-        <p:txBody>
-          <a:bodyPr anchor="t"/>
-          <a:lstStyle>
-            <a:lvl1pPr marL="0" indent="0">
-              <a:buNone/>
-              <a:defRPr sz="3200">
-                <a:solidFill>
-                  <a:schemeClr val="bg1">
-                    <a:lumMod val="85000"/>
-                    <a:lumOff val="15000"/>
-                  </a:schemeClr>
-                </a:solidFill>
-              </a:defRPr>
-            </a:lvl1pPr>
-            <a:lvl2pPr marL="457200" indent="0">
-              <a:buNone/>
-              <a:defRPr sz="2800"/>
-            </a:lvl2pPr>
-            <a:lvl3pPr marL="914400" indent="0">
-              <a:buNone/>
-              <a:defRPr sz="2400"/>
-            </a:lvl3pPr>
-            <a:lvl4pPr marL="1371600" indent="0">
-              <a:buNone/>
-              <a:defRPr sz="2000"/>
-            </a:lvl4pPr>
-            <a:lvl5pPr marL="1828800" indent="0">
-              <a:buNone/>
-              <a:defRPr sz="2000"/>
-            </a:lvl5pPr>
-            <a:lvl6pPr marL="2286000" indent="0">
-              <a:buNone/>
-              <a:defRPr sz="2000"/>
-            </a:lvl6pPr>
-            <a:lvl7pPr marL="2743200" indent="0">
-              <a:buNone/>
-              <a:defRPr sz="2000"/>
-            </a:lvl7pPr>
-            <a:lvl8pPr marL="3200400" indent="0">
-              <a:buNone/>
-              <a:defRPr sz="2000"/>
-            </a:lvl8pPr>
-            <a:lvl9pPr marL="3657600" indent="0">
-              <a:buNone/>
-              <a:defRPr sz="2000"/>
-            </a:lvl9pPr>
-          </a:lstStyle>
-          <a:p>
-            <a:r>
-              <a:rPr lang="ru-RU"/>
-              <a:t>Вставка рисунка</a:t>
-            </a:r>
-            <a:endParaRPr lang="en-US" dirty="0"/>
-          </a:p>
-        </p:txBody>
-      </p:sp>
-      <p:sp>
-        <p:nvSpPr>
-          <p:cNvPr id="4" name="Text Placeholder 3"/>
-          <p:cNvSpPr>
-            <a:spLocks noGrp="1"/>
-          </p:cNvSpPr>
-          <p:nvPr>
-            <p:ph type="body" sz="half" idx="2"/>
-          </p:nvPr>
-        </p:nvSpPr>
-        <p:spPr>
-          <a:xfrm>
-            <a:off x="1115568" y="3549918"/>
-            <a:ext cx="3794760" cy="2194037"/>
-          </a:xfrm>
-        </p:spPr>
-        <p:txBody>
-          <a:bodyPr anchor="t" anchorCtr="1">
-            <a:normAutofit/>
-          </a:bodyPr>
-          <a:lstStyle>
-            <a:lvl1pPr marL="0" indent="0" algn="ctr">
-              <a:buNone/>
-              <a:defRPr sz="1500">
-                <a:solidFill>
-                  <a:srgbClr val="FFFFFF"/>
-                </a:solidFill>
-              </a:defRPr>
-            </a:lvl1pPr>
-            <a:lvl2pPr marL="457200" indent="0">
-              <a:buNone/>
-              <a:defRPr sz="1400"/>
-            </a:lvl2pPr>
-            <a:lvl3pPr marL="914400" indent="0">
-              <a:buNone/>
-              <a:defRPr sz="1200"/>
-            </a:lvl3pPr>
-            <a:lvl4pPr marL="1371600" indent="0">
-              <a:buNone/>
-              <a:defRPr sz="1000"/>
-            </a:lvl4pPr>
-            <a:lvl5pPr marL="1828800" indent="0">
-              <a:buNone/>
-              <a:defRPr sz="1000"/>
-            </a:lvl5pPr>
-            <a:lvl6pPr marL="2286000" indent="0">
-              <a:buNone/>
-              <a:defRPr sz="1000"/>
-            </a:lvl6pPr>
-            <a:lvl7pPr marL="2743200" indent="0">
-              <a:buNone/>
-              <a:defRPr sz="1000"/>
-            </a:lvl7pPr>
-            <a:lvl8pPr marL="3200400" indent="0">
-              <a:buNone/>
-              <a:defRPr sz="1000"/>
-            </a:lvl8pPr>
-            <a:lvl9pPr marL="3657600" indent="0">
-              <a:buNone/>
-              <a:defRPr sz="1000"/>
-            </a:lvl9pPr>
-          </a:lstStyle>
-          <a:p>
-            <a:pPr lvl="0"/>
-            <a:r>
-              <a:rPr lang="ru-RU"/>
-              <a:t>Образец текста</a:t>
-            </a:r>
-          </a:p>
-        </p:txBody>
-      </p:sp>
-      <p:sp>
-        <p:nvSpPr>
-          <p:cNvPr id="8" name="Date Placeholder 7"/>
-          <p:cNvSpPr>
-            <a:spLocks noGrp="1"/>
-          </p:cNvSpPr>
-          <p:nvPr>
-            <p:ph type="dt" sz="half" idx="10"/>
-          </p:nvPr>
-        </p:nvSpPr>
-        <p:spPr/>
-        <p:txBody>
-          <a:bodyPr/>
-          <a:lstStyle>
-            <a:lvl1pPr>
-              <a:defRPr>
-                <a:solidFill>
-                  <a:srgbClr val="FFFFFF"/>
-                </a:solidFill>
-                <a:effectLst>
-                  <a:outerShdw blurRad="50800" dist="38100" dir="2700000" algn="tl" rotWithShape="0">
-                    <a:prstClr val="black">
-                      <a:alpha val="43000"/>
-                    </a:prstClr>
-                  </a:outerShdw>
-                </a:effectLst>
-              </a:defRPr>
-            </a:lvl1pPr>
-          </a:lstStyle>
-          <a:p>
-            <a:fld id="{A566D3CB-1BEF-450D-BBCE-2F6901244D5C}" type="datetimeFigureOut">
-              <a:rPr lang="ru-RU" smtClean="0"/>
-              <a:t>10.11.2022</a:t>
-            </a:fld>
-            <a:endParaRPr lang="ru-RU"/>
-          </a:p>
-        </p:txBody>
-      </p:sp>
-      <p:sp>
-        <p:nvSpPr>
-          <p:cNvPr id="9" name="Footer Placeholder 8"/>
-          <p:cNvSpPr>
-            <a:spLocks noGrp="1"/>
-          </p:cNvSpPr>
-          <p:nvPr>
-            <p:ph type="ftr" sz="quarter" idx="11"/>
-          </p:nvPr>
-        </p:nvSpPr>
-        <p:spPr>
-          <a:xfrm>
-            <a:off x="804672" y="6236208"/>
-            <a:ext cx="5124797" cy="320040"/>
-          </a:xfrm>
-        </p:spPr>
-        <p:txBody>
-          <a:bodyPr/>
-          <a:lstStyle>
-            <a:lvl1pPr>
-              <a:defRPr>
-                <a:solidFill>
-                  <a:srgbClr val="FFFFFF">
-                    <a:alpha val="70000"/>
-                  </a:srgbClr>
-                </a:solidFill>
-              </a:defRPr>
-            </a:lvl1pPr>
-          </a:lstStyle>
-          <a:p>
-            <a:endParaRPr lang="ru-RU"/>
-          </a:p>
-        </p:txBody>
-      </p:sp>
-      <p:sp>
-        <p:nvSpPr>
-          <p:cNvPr id="10" name="Slide Number Placeholder 9"/>
-          <p:cNvSpPr>
-            <a:spLocks noGrp="1"/>
-          </p:cNvSpPr>
-          <p:nvPr>
-            <p:ph type="sldNum" sz="quarter" idx="12"/>
-          </p:nvPr>
-        </p:nvSpPr>
-        <p:spPr/>
-        <p:txBody>
-          <a:bodyPr/>
-          <a:lstStyle/>
-          <a:p>
-            <a:fld id="{348182ED-62CA-4A1F-BD14-7AA4F43B338B}" type="slidenum">
-              <a:rPr lang="ru-RU" smtClean="0"/>
-              <a:t>‹#›</a:t>
-            </a:fld>
-            <a:endParaRPr lang="ru-RU"/>
-          </a:p>
-        </p:txBody>
-      </p:sp>
-    </p:spTree>
-    <p:extLst>
-      <p:ext uri="{BB962C8B-B14F-4D97-AF65-F5344CB8AC3E}">
-        <p14:creationId xmlns:p14="http://schemas.microsoft.com/office/powerpoint/2010/main" val="2400768714"/>
-      </p:ext>
-    </p:extLst>
-  </p:cSld>
-  <p:clrMapOvr>
-    <a:masterClrMapping/>
-  </p:clrMapOvr>
-</p:sldLayout>
-</file>
-
-<file path=ppt/slideMasters/slideMaster1.xml><?xml version="1.0" encoding="utf-8"?>
-<p:sldMaster xmlns:a="http://schemas.openxmlformats.org/drawingml/2006/main" xmlns:r="http://schemas.openxmlformats.org/officeDocument/2006/relationships" xmlns:p="http://schemas.openxmlformats.org/presentationml/2006/main">
-  <p:cSld>
     <p:bg>
       <p:bgPr>
         <a:solidFill>
-          <a:schemeClr val="bg1">
-            <a:lumMod val="95000"/>
-          </a:schemeClr>
+          <a:schemeClr val="accent1"/>
         </a:solidFill>
         <a:effectLst/>
       </p:bgPr>
@@ -2713,7 +2505,7 @@
       </p:grpSpPr>
       <p:sp>
         <p:nvSpPr>
-          <p:cNvPr id="2" name="Title Placeholder 1"/>
+          <p:cNvPr id="2" name="Title 1"/>
           <p:cNvSpPr>
             <a:spLocks noGrp="1"/>
           </p:cNvSpPr>
@@ -2721,209 +2513,19 @@
             <p:ph type="title"/>
           </p:nvPr>
         </p:nvSpPr>
-        <p:spPr bwMode="black">
+        <p:spPr>
           <a:xfrm>
-            <a:off x="2231136" y="964692"/>
-            <a:ext cx="7729728" cy="1188720"/>
+            <a:off x="649224" y="5418667"/>
+            <a:ext cx="10780776" cy="613283"/>
           </a:xfrm>
-          <a:prstGeom prst="rect">
-            <a:avLst/>
-          </a:prstGeom>
-          <a:solidFill>
-            <a:srgbClr val="FFFFFF"/>
-          </a:solidFill>
-          <a:ln w="31750" cap="sq">
-            <a:solidFill>
-              <a:srgbClr val="404040"/>
-            </a:solidFill>
-            <a:miter lim="800000"/>
-          </a:ln>
         </p:spPr>
         <p:txBody>
-          <a:bodyPr vert="horz" lIns="182880" tIns="182880" rIns="182880" bIns="182880" rtlCol="0" anchor="ctr">
+          <a:bodyPr anchor="b">
             <a:normAutofit/>
           </a:bodyPr>
-          <a:lstStyle/>
-          <a:p>
-            <a:r>
-              <a:rPr lang="ru-RU"/>
-              <a:t>Образец заголовка</a:t>
-            </a:r>
-            <a:endParaRPr lang="en-US" dirty="0"/>
-          </a:p>
-        </p:txBody>
-      </p:sp>
-      <p:sp>
-        <p:nvSpPr>
-          <p:cNvPr id="3" name="Text Placeholder 2"/>
-          <p:cNvSpPr>
-            <a:spLocks noGrp="1"/>
-          </p:cNvSpPr>
-          <p:nvPr>
-            <p:ph type="body" idx="1"/>
-          </p:nvPr>
-        </p:nvSpPr>
-        <p:spPr>
-          <a:xfrm>
-            <a:off x="2231136" y="2638044"/>
-            <a:ext cx="7729728" cy="3101983"/>
-          </a:xfrm>
-          <a:prstGeom prst="rect">
-            <a:avLst/>
-          </a:prstGeom>
-        </p:spPr>
-        <p:txBody>
-          <a:bodyPr vert="horz" lIns="91440" tIns="45720" rIns="91440" bIns="45720" rtlCol="0">
-            <a:normAutofit/>
-          </a:bodyPr>
-          <a:lstStyle/>
-          <a:p>
-            <a:pPr lvl="0"/>
-            <a:r>
-              <a:rPr lang="ru-RU"/>
-              <a:t>Образец текста</a:t>
-            </a:r>
-          </a:p>
-          <a:p>
-            <a:pPr lvl="1"/>
-            <a:r>
-              <a:rPr lang="ru-RU"/>
-              <a:t>Второй уровень</a:t>
-            </a:r>
-          </a:p>
-          <a:p>
-            <a:pPr lvl="2"/>
-            <a:r>
-              <a:rPr lang="ru-RU"/>
-              <a:t>Третий уровень</a:t>
-            </a:r>
-          </a:p>
-          <a:p>
-            <a:pPr lvl="3"/>
-            <a:r>
-              <a:rPr lang="ru-RU"/>
-              <a:t>Четвертый уровень</a:t>
-            </a:r>
-          </a:p>
-          <a:p>
-            <a:pPr lvl="4"/>
-            <a:r>
-              <a:rPr lang="ru-RU"/>
-              <a:t>Пятый уровень</a:t>
-            </a:r>
-            <a:endParaRPr lang="en-US" dirty="0"/>
-          </a:p>
-        </p:txBody>
-      </p:sp>
-      <p:sp>
-        <p:nvSpPr>
-          <p:cNvPr id="4" name="Date Placeholder 3"/>
-          <p:cNvSpPr>
-            <a:spLocks noGrp="1"/>
-          </p:cNvSpPr>
-          <p:nvPr>
-            <p:ph type="dt" sz="half" idx="2"/>
-          </p:nvPr>
-        </p:nvSpPr>
-        <p:spPr>
-          <a:xfrm>
-            <a:off x="7821429" y="6238816"/>
-            <a:ext cx="2753746" cy="323968"/>
-          </a:xfrm>
-          <a:prstGeom prst="rect">
-            <a:avLst/>
-          </a:prstGeom>
-        </p:spPr>
-        <p:txBody>
-          <a:bodyPr vert="horz" lIns="91440" tIns="45720" rIns="91440" bIns="45720" rtlCol="0" anchor="ctr"/>
           <a:lstStyle>
-            <a:lvl1pPr algn="r">
-              <a:defRPr sz="1050">
-                <a:solidFill>
-                  <a:schemeClr val="tx1">
-                    <a:alpha val="70000"/>
-                  </a:schemeClr>
-                </a:solidFill>
-              </a:defRPr>
-            </a:lvl1pPr>
-          </a:lstStyle>
-          <a:p>
-            <a:fld id="{A566D3CB-1BEF-450D-BBCE-2F6901244D5C}" type="datetimeFigureOut">
-              <a:rPr lang="ru-RU" smtClean="0"/>
-              <a:t>10.11.2022</a:t>
-            </a:fld>
-            <a:endParaRPr lang="ru-RU"/>
-          </a:p>
-        </p:txBody>
-      </p:sp>
-      <p:sp>
-        <p:nvSpPr>
-          <p:cNvPr id="5" name="Footer Placeholder 4"/>
-          <p:cNvSpPr>
-            <a:spLocks noGrp="1"/>
-          </p:cNvSpPr>
-          <p:nvPr>
-            <p:ph type="ftr" sz="quarter" idx="3"/>
-          </p:nvPr>
-        </p:nvSpPr>
-        <p:spPr>
-          <a:xfrm>
-            <a:off x="1600200" y="6236208"/>
-            <a:ext cx="5901189" cy="320040"/>
-          </a:xfrm>
-          <a:prstGeom prst="rect">
-            <a:avLst/>
-          </a:prstGeom>
-        </p:spPr>
-        <p:txBody>
-          <a:bodyPr vert="horz" lIns="91440" tIns="45720" rIns="91440" bIns="45720" rtlCol="0" anchor="ctr"/>
-          <a:lstStyle>
-            <a:lvl1pPr algn="l">
-              <a:defRPr sz="1050">
-                <a:solidFill>
-                  <a:schemeClr val="tx1">
-                    <a:alpha val="70000"/>
-                  </a:schemeClr>
-                </a:solidFill>
-              </a:defRPr>
-            </a:lvl1pPr>
-          </a:lstStyle>
-          <a:p>
-            <a:endParaRPr lang="ru-RU"/>
-          </a:p>
-        </p:txBody>
-      </p:sp>
-      <p:sp>
-        <p:nvSpPr>
-          <p:cNvPr id="6" name="Slide Number Placeholder 5"/>
-          <p:cNvSpPr>
-            <a:spLocks noGrp="1"/>
-          </p:cNvSpPr>
-          <p:nvPr>
-            <p:ph type="sldNum" sz="quarter" idx="4"/>
-          </p:nvPr>
-        </p:nvSpPr>
-        <p:spPr>
-          <a:xfrm>
-            <a:off x="10758922" y="6217920"/>
-            <a:ext cx="365760" cy="365760"/>
-          </a:xfrm>
-          <a:prstGeom prst="ellipse">
-            <a:avLst/>
-          </a:prstGeom>
-          <a:solidFill>
-            <a:srgbClr val="1D1D1D">
-              <a:alpha val="70000"/>
-            </a:srgbClr>
-          </a:solidFill>
-        </p:spPr>
-        <p:txBody>
-          <a:bodyPr vert="horz" lIns="18288" tIns="45720" rIns="18288" bIns="45720" rtlCol="0" anchor="ctr">
-            <a:noAutofit/>
-          </a:bodyPr>
-          <a:lstStyle>
-            <a:lvl1pPr algn="ctr">
-              <a:defRPr sz="1100" spc="0" baseline="0">
+            <a:lvl1pPr>
+              <a:defRPr sz="3200" b="0">
                 <a:solidFill>
                   <a:srgbClr val="FFFFFF"/>
                 </a:solidFill>
@@ -2931,6 +2533,256 @@
             </a:lvl1pPr>
           </a:lstStyle>
           <a:p>
+            <a:r>
+              <a:rPr lang="ru-RU"/>
+              <a:t>Образец заголовка</a:t>
+            </a:r>
+            <a:endParaRPr lang="en-US" dirty="0"/>
+          </a:p>
+        </p:txBody>
+      </p:sp>
+      <p:sp>
+        <p:nvSpPr>
+          <p:cNvPr id="3" name="Picture Placeholder 2"/>
+          <p:cNvSpPr>
+            <a:spLocks noGrp="1" noChangeAspect="1"/>
+          </p:cNvSpPr>
+          <p:nvPr>
+            <p:ph type="pic" idx="1"/>
+          </p:nvPr>
+        </p:nvSpPr>
+        <p:spPr>
+          <a:xfrm>
+            <a:off x="0" y="0"/>
+            <a:ext cx="12192000" cy="5330952"/>
+          </a:xfrm>
+          <a:solidFill>
+            <a:schemeClr val="accent1">
+              <a:lumMod val="40000"/>
+              <a:lumOff val="60000"/>
+            </a:schemeClr>
+          </a:solidFill>
+        </p:spPr>
+        <p:txBody>
+          <a:bodyPr anchor="t"/>
+          <a:lstStyle>
+            <a:lvl1pPr marL="0" indent="0" algn="ctr">
+              <a:spcBef>
+                <a:spcPts val="800"/>
+              </a:spcBef>
+              <a:buNone/>
+              <a:defRPr sz="3200">
+                <a:solidFill>
+                  <a:schemeClr val="tx1">
+                    <a:lumMod val="75000"/>
+                    <a:lumOff val="25000"/>
+                  </a:schemeClr>
+                </a:solidFill>
+              </a:defRPr>
+            </a:lvl1pPr>
+            <a:lvl2pPr marL="457200" indent="0">
+              <a:buNone/>
+              <a:defRPr sz="2800"/>
+            </a:lvl2pPr>
+            <a:lvl3pPr marL="914400" indent="0">
+              <a:buNone/>
+              <a:defRPr sz="2400"/>
+            </a:lvl3pPr>
+            <a:lvl4pPr marL="1371600" indent="0">
+              <a:buNone/>
+              <a:defRPr sz="2000"/>
+            </a:lvl4pPr>
+            <a:lvl5pPr marL="1828800" indent="0">
+              <a:buNone/>
+              <a:defRPr sz="2000"/>
+            </a:lvl5pPr>
+            <a:lvl6pPr marL="2286000" indent="0">
+              <a:buNone/>
+              <a:defRPr sz="2000"/>
+            </a:lvl6pPr>
+            <a:lvl7pPr marL="2743200" indent="0">
+              <a:buNone/>
+              <a:defRPr sz="2000"/>
+            </a:lvl7pPr>
+            <a:lvl8pPr marL="3200400" indent="0">
+              <a:buNone/>
+              <a:defRPr sz="2000"/>
+            </a:lvl8pPr>
+            <a:lvl9pPr marL="3657600" indent="0">
+              <a:buNone/>
+              <a:defRPr sz="2000"/>
+            </a:lvl9pPr>
+          </a:lstStyle>
+          <a:p>
+            <a:r>
+              <a:rPr lang="ru-RU"/>
+              <a:t>Вставка рисунка</a:t>
+            </a:r>
+            <a:endParaRPr lang="en-US" dirty="0"/>
+          </a:p>
+        </p:txBody>
+      </p:sp>
+      <p:sp>
+        <p:nvSpPr>
+          <p:cNvPr id="4" name="Text Placeholder 3"/>
+          <p:cNvSpPr>
+            <a:spLocks noGrp="1"/>
+          </p:cNvSpPr>
+          <p:nvPr>
+            <p:ph type="body" sz="half" idx="2"/>
+          </p:nvPr>
+        </p:nvSpPr>
+        <p:spPr>
+          <a:xfrm>
+            <a:off x="676656" y="5909735"/>
+            <a:ext cx="9229344" cy="533400"/>
+          </a:xfrm>
+        </p:spPr>
+        <p:txBody>
+          <a:bodyPr>
+            <a:normAutofit/>
+          </a:bodyPr>
+          <a:lstStyle>
+            <a:lvl1pPr marL="0" indent="0">
+              <a:lnSpc>
+                <a:spcPct val="90000"/>
+              </a:lnSpc>
+              <a:buNone/>
+              <a:defRPr sz="1400">
+                <a:solidFill>
+                  <a:srgbClr val="262626"/>
+                </a:solidFill>
+              </a:defRPr>
+            </a:lvl1pPr>
+            <a:lvl2pPr marL="457200" indent="0">
+              <a:buNone/>
+              <a:defRPr sz="1200"/>
+            </a:lvl2pPr>
+            <a:lvl3pPr marL="914400" indent="0">
+              <a:buNone/>
+              <a:defRPr sz="1000"/>
+            </a:lvl3pPr>
+            <a:lvl4pPr marL="1371600" indent="0">
+              <a:buNone/>
+              <a:defRPr sz="900"/>
+            </a:lvl4pPr>
+            <a:lvl5pPr marL="1828800" indent="0">
+              <a:buNone/>
+              <a:defRPr sz="900"/>
+            </a:lvl5pPr>
+            <a:lvl6pPr marL="2286000" indent="0">
+              <a:buNone/>
+              <a:defRPr sz="900"/>
+            </a:lvl6pPr>
+            <a:lvl7pPr marL="2743200" indent="0">
+              <a:buNone/>
+              <a:defRPr sz="900"/>
+            </a:lvl7pPr>
+            <a:lvl8pPr marL="3200400" indent="0">
+              <a:buNone/>
+              <a:defRPr sz="900"/>
+            </a:lvl8pPr>
+            <a:lvl9pPr marL="3657600" indent="0">
+              <a:buNone/>
+              <a:defRPr sz="900"/>
+            </a:lvl9pPr>
+          </a:lstStyle>
+          <a:p>
+            <a:pPr lvl="0"/>
+            <a:r>
+              <a:rPr lang="ru-RU"/>
+              <a:t>Образец текста</a:t>
+            </a:r>
+          </a:p>
+        </p:txBody>
+      </p:sp>
+      <p:sp>
+        <p:nvSpPr>
+          <p:cNvPr id="12" name="Date Placeholder 11"/>
+          <p:cNvSpPr>
+            <a:spLocks noGrp="1"/>
+          </p:cNvSpPr>
+          <p:nvPr>
+            <p:ph type="dt" sz="half" idx="10"/>
+          </p:nvPr>
+        </p:nvSpPr>
+        <p:spPr/>
+        <p:txBody>
+          <a:bodyPr/>
+          <a:lstStyle>
+            <a:lvl1pPr>
+              <a:defRPr>
+                <a:solidFill>
+                  <a:srgbClr val="FFFFFF">
+                    <a:alpha val="80000"/>
+                  </a:srgbClr>
+                </a:solidFill>
+              </a:defRPr>
+            </a:lvl1pPr>
+          </a:lstStyle>
+          <a:p>
+            <a:fld id="{A566D3CB-1BEF-450D-BBCE-2F6901244D5C}" type="datetimeFigureOut">
+              <a:rPr lang="ru-RU" smtClean="0"/>
+              <a:t>08.11.2023</a:t>
+            </a:fld>
+            <a:endParaRPr lang="ru-RU"/>
+          </a:p>
+        </p:txBody>
+      </p:sp>
+      <p:sp>
+        <p:nvSpPr>
+          <p:cNvPr id="13" name="Footer Placeholder 12"/>
+          <p:cNvSpPr>
+            <a:spLocks noGrp="1"/>
+          </p:cNvSpPr>
+          <p:nvPr>
+            <p:ph type="ftr" sz="quarter" idx="11"/>
+          </p:nvPr>
+        </p:nvSpPr>
+        <p:spPr/>
+        <p:txBody>
+          <a:bodyPr/>
+          <a:lstStyle>
+            <a:lvl1pPr>
+              <a:defRPr>
+                <a:solidFill>
+                  <a:srgbClr val="FFFFFF">
+                    <a:alpha val="80000"/>
+                  </a:srgbClr>
+                </a:solidFill>
+              </a:defRPr>
+            </a:lvl1pPr>
+          </a:lstStyle>
+          <a:p>
+            <a:endParaRPr lang="ru-RU"/>
+          </a:p>
+        </p:txBody>
+      </p:sp>
+      <p:sp>
+        <p:nvSpPr>
+          <p:cNvPr id="14" name="Slide Number Placeholder 13"/>
+          <p:cNvSpPr>
+            <a:spLocks noGrp="1"/>
+          </p:cNvSpPr>
+          <p:nvPr>
+            <p:ph type="sldNum" sz="quarter" idx="12"/>
+          </p:nvPr>
+        </p:nvSpPr>
+        <p:spPr/>
+        <p:txBody>
+          <a:bodyPr/>
+          <a:lstStyle>
+            <a:lvl1pPr>
+              <a:defRPr>
+                <a:solidFill>
+                  <a:srgbClr val="FFFFFF">
+                    <a:alpha val="25000"/>
+                  </a:srgbClr>
+                </a:solidFill>
+              </a:defRPr>
+            </a:lvl1pPr>
+          </a:lstStyle>
+          <a:p>
             <a:fld id="{348182ED-62CA-4A1F-BD14-7AA4F43B338B}" type="slidenum">
               <a:rPr lang="ru-RU" smtClean="0"/>
               <a:t>‹#›</a:t>
@@ -2942,37 +2794,290 @@
     </p:spTree>
     <p:extLst>
       <p:ext uri="{BB962C8B-B14F-4D97-AF65-F5344CB8AC3E}">
-        <p14:creationId xmlns:p14="http://schemas.microsoft.com/office/powerpoint/2010/main" val="255585577"/>
+        <p14:creationId xmlns:p14="http://schemas.microsoft.com/office/powerpoint/2010/main" val="3333307754"/>
+      </p:ext>
+    </p:extLst>
+  </p:cSld>
+  <p:clrMapOvr>
+    <a:overrideClrMapping bg1="lt1" tx1="dk1" bg2="lt2" tx2="dk2" accent1="accent1" accent2="accent2" accent3="accent3" accent4="accent4" accent5="accent5" accent6="accent6" hlink="hlink" folHlink="folHlink"/>
+  </p:clrMapOvr>
+</p:sldLayout>
+</file>
+
+<file path=ppt/slideMasters/slideMaster1.xml><?xml version="1.0" encoding="utf-8"?>
+<p:sldMaster xmlns:a="http://schemas.openxmlformats.org/drawingml/2006/main" xmlns:r="http://schemas.openxmlformats.org/officeDocument/2006/relationships" xmlns:p="http://schemas.openxmlformats.org/presentationml/2006/main">
+  <p:cSld>
+    <p:bg>
+      <p:bgRef idx="1001">
+        <a:schemeClr val="bg1"/>
+      </p:bgRef>
+    </p:bg>
+    <p:spTree>
+      <p:nvGrpSpPr>
+        <p:cNvPr id="1" name=""/>
+        <p:cNvGrpSpPr/>
+        <p:nvPr/>
+      </p:nvGrpSpPr>
+      <p:grpSpPr>
+        <a:xfrm>
+          <a:off x="0" y="0"/>
+          <a:ext cx="0" cy="0"/>
+          <a:chOff x="0" y="0"/>
+          <a:chExt cx="0" cy="0"/>
+        </a:xfrm>
+      </p:grpSpPr>
+      <p:sp>
+        <p:nvSpPr>
+          <p:cNvPr id="2" name="Title Placeholder 1"/>
+          <p:cNvSpPr>
+            <a:spLocks noGrp="1"/>
+          </p:cNvSpPr>
+          <p:nvPr>
+            <p:ph type="title"/>
+          </p:nvPr>
+        </p:nvSpPr>
+        <p:spPr>
+          <a:xfrm>
+            <a:off x="657224" y="499533"/>
+            <a:ext cx="10772775" cy="1658198"/>
+          </a:xfrm>
+          <a:prstGeom prst="rect">
+            <a:avLst/>
+          </a:prstGeom>
+        </p:spPr>
+        <p:txBody>
+          <a:bodyPr vert="horz" lIns="91440" tIns="45720" rIns="91440" bIns="45720" rtlCol="0" anchor="ctr">
+            <a:normAutofit/>
+          </a:bodyPr>
+          <a:lstStyle/>
+          <a:p>
+            <a:r>
+              <a:rPr lang="ru-RU"/>
+              <a:t>Образец заголовка</a:t>
+            </a:r>
+            <a:endParaRPr lang="en-US" dirty="0"/>
+          </a:p>
+        </p:txBody>
+      </p:sp>
+      <p:sp>
+        <p:nvSpPr>
+          <p:cNvPr id="3" name="Text Placeholder 2"/>
+          <p:cNvSpPr>
+            <a:spLocks noGrp="1"/>
+          </p:cNvSpPr>
+          <p:nvPr>
+            <p:ph type="body" idx="1"/>
+          </p:nvPr>
+        </p:nvSpPr>
+        <p:spPr>
+          <a:xfrm>
+            <a:off x="676656" y="2011680"/>
+            <a:ext cx="10753725" cy="3766185"/>
+          </a:xfrm>
+          <a:prstGeom prst="rect">
+            <a:avLst/>
+          </a:prstGeom>
+        </p:spPr>
+        <p:txBody>
+          <a:bodyPr vert="horz" lIns="91440" tIns="45720" rIns="91440" bIns="45720" rtlCol="0">
+            <a:normAutofit/>
+          </a:bodyPr>
+          <a:lstStyle/>
+          <a:p>
+            <a:pPr lvl="0"/>
+            <a:r>
+              <a:rPr lang="ru-RU"/>
+              <a:t>Образец текста</a:t>
+            </a:r>
+          </a:p>
+          <a:p>
+            <a:pPr lvl="1"/>
+            <a:r>
+              <a:rPr lang="ru-RU"/>
+              <a:t>Второй уровень</a:t>
+            </a:r>
+          </a:p>
+          <a:p>
+            <a:pPr lvl="2"/>
+            <a:r>
+              <a:rPr lang="ru-RU"/>
+              <a:t>Третий уровень</a:t>
+            </a:r>
+          </a:p>
+          <a:p>
+            <a:pPr lvl="3"/>
+            <a:r>
+              <a:rPr lang="ru-RU"/>
+              <a:t>Четвертый уровень</a:t>
+            </a:r>
+          </a:p>
+          <a:p>
+            <a:pPr lvl="4"/>
+            <a:r>
+              <a:rPr lang="ru-RU"/>
+              <a:t>Пятый уровень</a:t>
+            </a:r>
+            <a:endParaRPr lang="en-US" dirty="0"/>
+          </a:p>
+        </p:txBody>
+      </p:sp>
+      <p:sp>
+        <p:nvSpPr>
+          <p:cNvPr id="4" name="Date Placeholder 3"/>
+          <p:cNvSpPr>
+            <a:spLocks noGrp="1"/>
+          </p:cNvSpPr>
+          <p:nvPr>
+            <p:ph type="dt" sz="half" idx="2"/>
+          </p:nvPr>
+        </p:nvSpPr>
+        <p:spPr>
+          <a:xfrm>
+            <a:off x="685800" y="6412447"/>
+            <a:ext cx="4114800" cy="228600"/>
+          </a:xfrm>
+          <a:prstGeom prst="rect">
+            <a:avLst/>
+          </a:prstGeom>
+        </p:spPr>
+        <p:txBody>
+          <a:bodyPr vert="horz" lIns="91440" tIns="45720" rIns="91440" bIns="45720" rtlCol="0" anchor="ctr"/>
+          <a:lstStyle>
+            <a:lvl1pPr algn="l">
+              <a:defRPr sz="950">
+                <a:solidFill>
+                  <a:schemeClr val="tx1">
+                    <a:alpha val="80000"/>
+                  </a:schemeClr>
+                </a:solidFill>
+              </a:defRPr>
+            </a:lvl1pPr>
+          </a:lstStyle>
+          <a:p>
+            <a:fld id="{A566D3CB-1BEF-450D-BBCE-2F6901244D5C}" type="datetimeFigureOut">
+              <a:rPr lang="ru-RU" smtClean="0"/>
+              <a:t>08.11.2023</a:t>
+            </a:fld>
+            <a:endParaRPr lang="ru-RU"/>
+          </a:p>
+        </p:txBody>
+      </p:sp>
+      <p:sp>
+        <p:nvSpPr>
+          <p:cNvPr id="5" name="Footer Placeholder 4"/>
+          <p:cNvSpPr>
+            <a:spLocks noGrp="1"/>
+          </p:cNvSpPr>
+          <p:nvPr>
+            <p:ph type="ftr" sz="quarter" idx="3"/>
+          </p:nvPr>
+        </p:nvSpPr>
+        <p:spPr>
+          <a:xfrm>
+            <a:off x="685800" y="6554697"/>
+            <a:ext cx="5029200" cy="228600"/>
+          </a:xfrm>
+          <a:prstGeom prst="rect">
+            <a:avLst/>
+          </a:prstGeom>
+        </p:spPr>
+        <p:txBody>
+          <a:bodyPr vert="horz" lIns="91440" tIns="45720" rIns="91440" bIns="45720" rtlCol="0" anchor="ctr"/>
+          <a:lstStyle>
+            <a:lvl1pPr algn="l">
+              <a:defRPr sz="950" cap="all" baseline="0">
+                <a:solidFill>
+                  <a:schemeClr val="tx1">
+                    <a:alpha val="80000"/>
+                  </a:schemeClr>
+                </a:solidFill>
+              </a:defRPr>
+            </a:lvl1pPr>
+          </a:lstStyle>
+          <a:p>
+            <a:endParaRPr lang="ru-RU"/>
+          </a:p>
+        </p:txBody>
+      </p:sp>
+      <p:sp>
+        <p:nvSpPr>
+          <p:cNvPr id="6" name="Slide Number Placeholder 5"/>
+          <p:cNvSpPr>
+            <a:spLocks noGrp="1"/>
+          </p:cNvSpPr>
+          <p:nvPr>
+            <p:ph type="sldNum" sz="quarter" idx="4"/>
+          </p:nvPr>
+        </p:nvSpPr>
+        <p:spPr>
+          <a:xfrm>
+            <a:off x="8763926" y="5876412"/>
+            <a:ext cx="2926080" cy="1397039"/>
+          </a:xfrm>
+          <a:prstGeom prst="rect">
+            <a:avLst/>
+          </a:prstGeom>
+        </p:spPr>
+        <p:txBody>
+          <a:bodyPr vert="horz" lIns="91440" tIns="45720" rIns="91440" bIns="45720" rtlCol="0" anchor="b"/>
+          <a:lstStyle>
+            <a:lvl1pPr algn="r">
+              <a:defRPr sz="10300" b="0">
+                <a:ln>
+                  <a:noFill/>
+                </a:ln>
+                <a:solidFill>
+                  <a:schemeClr val="accent1">
+                    <a:alpha val="25000"/>
+                  </a:schemeClr>
+                </a:solidFill>
+                <a:latin typeface="+mj-lt"/>
+              </a:defRPr>
+            </a:lvl1pPr>
+          </a:lstStyle>
+          <a:p>
+            <a:fld id="{348182ED-62CA-4A1F-BD14-7AA4F43B338B}" type="slidenum">
+              <a:rPr lang="ru-RU" smtClean="0"/>
+              <a:t>‹#›</a:t>
+            </a:fld>
+            <a:endParaRPr lang="ru-RU"/>
+          </a:p>
+        </p:txBody>
+      </p:sp>
+    </p:spTree>
+    <p:extLst>
+      <p:ext uri="{BB962C8B-B14F-4D97-AF65-F5344CB8AC3E}">
+        <p14:creationId xmlns:p14="http://schemas.microsoft.com/office/powerpoint/2010/main" val="949740587"/>
       </p:ext>
     </p:extLst>
   </p:cSld>
   <p:clrMap bg1="lt1" tx1="dk1" bg2="lt2" tx2="dk2" accent1="accent1" accent2="accent2" accent3="accent3" accent4="accent4" accent5="accent5" accent6="accent6" hlink="hlink" folHlink="folHlink"/>
   <p:sldLayoutIdLst>
-    <p:sldLayoutId id="2147483661" r:id="rId1"/>
-    <p:sldLayoutId id="2147483662" r:id="rId2"/>
-    <p:sldLayoutId id="2147483663" r:id="rId3"/>
-    <p:sldLayoutId id="2147483664" r:id="rId4"/>
-    <p:sldLayoutId id="2147483665" r:id="rId5"/>
-    <p:sldLayoutId id="2147483666" r:id="rId6"/>
-    <p:sldLayoutId id="2147483667" r:id="rId7"/>
-    <p:sldLayoutId id="2147483668" r:id="rId8"/>
-    <p:sldLayoutId id="2147483669" r:id="rId9"/>
-    <p:sldLayoutId id="2147483670" r:id="rId10"/>
-    <p:sldLayoutId id="2147483671" r:id="rId11"/>
+    <p:sldLayoutId id="2147483673" r:id="rId1"/>
+    <p:sldLayoutId id="2147483674" r:id="rId2"/>
+    <p:sldLayoutId id="2147483675" r:id="rId3"/>
+    <p:sldLayoutId id="2147483676" r:id="rId4"/>
+    <p:sldLayoutId id="2147483677" r:id="rId5"/>
+    <p:sldLayoutId id="2147483678" r:id="rId6"/>
+    <p:sldLayoutId id="2147483679" r:id="rId7"/>
+    <p:sldLayoutId id="2147483680" r:id="rId8"/>
+    <p:sldLayoutId id="2147483681" r:id="rId9"/>
+    <p:sldLayoutId id="2147483682" r:id="rId10"/>
+    <p:sldLayoutId id="2147483683" r:id="rId11"/>
   </p:sldLayoutIdLst>
   <p:txStyles>
     <p:titleStyle>
-      <a:lvl1pPr algn="ctr" defTabSz="914400" rtl="0" eaLnBrk="1" latinLnBrk="0" hangingPunct="1">
+      <a:lvl1pPr algn="l" defTabSz="914400" rtl="0" eaLnBrk="1" latinLnBrk="0" hangingPunct="1">
         <a:lnSpc>
-          <a:spcPct val="90000"/>
+          <a:spcPct val="85000"/>
         </a:lnSpc>
         <a:spcBef>
           <a:spcPct val="0"/>
         </a:spcBef>
         <a:buNone/>
-        <a:defRPr sz="2800" kern="1200" cap="all" spc="200" baseline="0">
+        <a:defRPr sz="5400" kern="1200" spc="-120" baseline="0">
           <a:solidFill>
-            <a:srgbClr val="262626"/>
+            <a:schemeClr val="accent1"/>
           </a:solidFill>
           <a:latin typeface="+mj-lt"/>
           <a:ea typeface="+mj-ea"/>
@@ -2981,18 +3086,78 @@
       </a:lvl1pPr>
     </p:titleStyle>
     <p:bodyStyle>
-      <a:lvl1pPr marL="228600" indent="-228600" algn="l" defTabSz="914400" rtl="0" eaLnBrk="1" latinLnBrk="0" hangingPunct="1">
+      <a:lvl1pPr marL="91440" indent="-91440" algn="l" defTabSz="914400" rtl="0" eaLnBrk="1" latinLnBrk="0" hangingPunct="1">
         <a:lnSpc>
-          <a:spcPct val="100000"/>
+          <a:spcPct val="85000"/>
         </a:lnSpc>
         <a:spcBef>
-          <a:spcPts val="1000"/>
+          <a:spcPts val="1300"/>
         </a:spcBef>
-        <a:buClr>
-          <a:schemeClr val="accent2"/>
-        </a:buClr>
-        <a:buFont typeface="Arial" panose="020B0604020202020204" pitchFamily="34" charset="0"/>
-        <a:buChar char="•"/>
+        <a:buFont typeface="Arial" pitchFamily="34" charset="0"/>
+        <a:buChar char=" "/>
+        <a:defRPr sz="2400" kern="1200">
+          <a:solidFill>
+            <a:schemeClr val="tx1">
+              <a:lumMod val="85000"/>
+              <a:lumOff val="15000"/>
+            </a:schemeClr>
+          </a:solidFill>
+          <a:latin typeface="+mn-lt"/>
+          <a:ea typeface="+mn-ea"/>
+          <a:cs typeface="+mn-cs"/>
+        </a:defRPr>
+      </a:lvl1pPr>
+      <a:lvl2pPr marL="347472" indent="-342900" algn="l" defTabSz="914400" rtl="0" eaLnBrk="1" latinLnBrk="0" hangingPunct="1">
+        <a:lnSpc>
+          <a:spcPct val="85000"/>
+        </a:lnSpc>
+        <a:spcBef>
+          <a:spcPts val="600"/>
+        </a:spcBef>
+        <a:buFont typeface="Arial" pitchFamily="34" charset="0"/>
+        <a:buChar char=" "/>
+        <a:defRPr sz="2400" kern="1200">
+          <a:solidFill>
+            <a:schemeClr val="tx1">
+              <a:lumMod val="85000"/>
+              <a:lumOff val="15000"/>
+            </a:schemeClr>
+          </a:solidFill>
+          <a:latin typeface="+mn-lt"/>
+          <a:ea typeface="+mn-ea"/>
+          <a:cs typeface="+mn-cs"/>
+        </a:defRPr>
+      </a:lvl2pPr>
+      <a:lvl3pPr marL="548640" indent="-548640" algn="l" defTabSz="914400" rtl="0" eaLnBrk="1" latinLnBrk="0" hangingPunct="1">
+        <a:lnSpc>
+          <a:spcPct val="85000"/>
+        </a:lnSpc>
+        <a:spcBef>
+          <a:spcPts val="600"/>
+        </a:spcBef>
+        <a:buFont typeface="Arial" pitchFamily="34" charset="0"/>
+        <a:buChar char=" "/>
+        <a:defRPr sz="2000" i="1" kern="1200">
+          <a:solidFill>
+            <a:schemeClr val="tx1">
+              <a:lumMod val="85000"/>
+              <a:lumOff val="15000"/>
+            </a:schemeClr>
+          </a:solidFill>
+          <a:latin typeface="+mn-lt"/>
+          <a:ea typeface="+mn-ea"/>
+          <a:cs typeface="+mn-cs"/>
+        </a:defRPr>
+      </a:lvl3pPr>
+      <a:lvl4pPr marL="822960" indent="-822960" algn="l" defTabSz="914400" rtl="0" eaLnBrk="1" latinLnBrk="0" hangingPunct="1">
+        <a:lnSpc>
+          <a:spcPct val="85000"/>
+        </a:lnSpc>
+        <a:spcBef>
+          <a:spcPts val="600"/>
+        </a:spcBef>
+        <a:buFont typeface="Arial" pitchFamily="34" charset="0"/>
+        <a:buChar char=" "/>
         <a:defRPr sz="1800" kern="1200">
           <a:solidFill>
             <a:schemeClr val="tx1">
@@ -3004,92 +3169,17 @@
           <a:ea typeface="+mn-ea"/>
           <a:cs typeface="+mn-cs"/>
         </a:defRPr>
-      </a:lvl1pPr>
-      <a:lvl2pPr marL="457200" indent="-228600" algn="l" defTabSz="914400" rtl="0" eaLnBrk="1" latinLnBrk="0" hangingPunct="1">
+      </a:lvl4pPr>
+      <a:lvl5pPr marL="1097280" indent="-1097280" algn="l" defTabSz="914400" rtl="0" eaLnBrk="1" latinLnBrk="0" hangingPunct="1">
         <a:lnSpc>
-          <a:spcPct val="100000"/>
+          <a:spcPct val="85000"/>
         </a:lnSpc>
         <a:spcBef>
-          <a:spcPts val="1000"/>
+          <a:spcPts val="600"/>
         </a:spcBef>
-        <a:buClr>
-          <a:schemeClr val="accent2"/>
-        </a:buClr>
-        <a:buFont typeface="Arial" panose="020B0604020202020204" pitchFamily="34" charset="0"/>
-        <a:buChar char="•"/>
-        <a:defRPr sz="1600" kern="1200">
-          <a:solidFill>
-            <a:schemeClr val="tx1">
-              <a:lumMod val="85000"/>
-              <a:lumOff val="15000"/>
-            </a:schemeClr>
-          </a:solidFill>
-          <a:latin typeface="+mn-lt"/>
-          <a:ea typeface="+mn-ea"/>
-          <a:cs typeface="+mn-cs"/>
-        </a:defRPr>
-      </a:lvl2pPr>
-      <a:lvl3pPr marL="685800" indent="-228600" algn="l" defTabSz="914400" rtl="0" eaLnBrk="1" latinLnBrk="0" hangingPunct="1">
-        <a:lnSpc>
-          <a:spcPct val="100000"/>
-        </a:lnSpc>
-        <a:spcBef>
-          <a:spcPts val="1000"/>
-        </a:spcBef>
-        <a:buClr>
-          <a:schemeClr val="accent2"/>
-        </a:buClr>
-        <a:buFont typeface="Arial" panose="020B0604020202020204" pitchFamily="34" charset="0"/>
-        <a:buChar char="•"/>
-        <a:defRPr sz="1600" kern="1200">
-          <a:solidFill>
-            <a:schemeClr val="tx1">
-              <a:lumMod val="85000"/>
-              <a:lumOff val="15000"/>
-            </a:schemeClr>
-          </a:solidFill>
-          <a:latin typeface="+mn-lt"/>
-          <a:ea typeface="+mn-ea"/>
-          <a:cs typeface="+mn-cs"/>
-        </a:defRPr>
-      </a:lvl3pPr>
-      <a:lvl4pPr marL="914400" indent="-228600" algn="l" defTabSz="914400" rtl="0" eaLnBrk="1" latinLnBrk="0" hangingPunct="1">
-        <a:lnSpc>
-          <a:spcPct val="100000"/>
-        </a:lnSpc>
-        <a:spcBef>
-          <a:spcPts val="1000"/>
-        </a:spcBef>
-        <a:buClr>
-          <a:schemeClr val="accent2"/>
-        </a:buClr>
-        <a:buFont typeface="Arial" panose="020B0604020202020204" pitchFamily="34" charset="0"/>
-        <a:buChar char="•"/>
-        <a:defRPr sz="1600" kern="1200">
-          <a:solidFill>
-            <a:schemeClr val="tx1">
-              <a:lumMod val="85000"/>
-              <a:lumOff val="15000"/>
-            </a:schemeClr>
-          </a:solidFill>
-          <a:latin typeface="+mn-lt"/>
-          <a:ea typeface="+mn-ea"/>
-          <a:cs typeface="+mn-cs"/>
-        </a:defRPr>
-      </a:lvl4pPr>
-      <a:lvl5pPr marL="1143000" indent="-228600" algn="l" defTabSz="914400" rtl="0" eaLnBrk="1" latinLnBrk="0" hangingPunct="1">
-        <a:lnSpc>
-          <a:spcPct val="100000"/>
-        </a:lnSpc>
-        <a:spcBef>
-          <a:spcPts val="1000"/>
-        </a:spcBef>
-        <a:buClr>
-          <a:schemeClr val="accent2"/>
-        </a:buClr>
-        <a:buFont typeface="Arial" panose="020B0604020202020204" pitchFamily="34" charset="0"/>
-        <a:buChar char="•"/>
-        <a:defRPr sz="1600" kern="1200">
+        <a:buFont typeface="Arial" pitchFamily="34" charset="0"/>
+        <a:buChar char=" "/>
+        <a:defRPr sz="1800" kern="1200">
           <a:solidFill>
             <a:schemeClr val="tx1">
               <a:lumMod val="85000"/>
@@ -3101,84 +3191,84 @@
           <a:cs typeface="+mn-cs"/>
         </a:defRPr>
       </a:lvl5pPr>
-      <a:lvl6pPr marL="1312863" indent="-228600" algn="l" defTabSz="914400" rtl="0" eaLnBrk="1" latinLnBrk="0" hangingPunct="1">
+      <a:lvl6pPr marL="1200000" indent="-228600" algn="l" defTabSz="914400" rtl="0" eaLnBrk="1" latinLnBrk="0" hangingPunct="1">
         <a:lnSpc>
-          <a:spcPct val="100000"/>
+          <a:spcPct val="85000"/>
         </a:lnSpc>
         <a:spcBef>
-          <a:spcPts val="1000"/>
+          <a:spcPts val="600"/>
         </a:spcBef>
-        <a:buClr>
-          <a:schemeClr val="accent2"/>
-        </a:buClr>
-        <a:buFont typeface="Arial" panose="020B0604020202020204" pitchFamily="34" charset="0"/>
-        <a:buChar char="•"/>
-        <a:defRPr sz="1600" kern="1200">
+        <a:buFont typeface="Arial" pitchFamily="34" charset="0"/>
+        <a:buChar char=" "/>
+        <a:defRPr sz="1800" kern="1200">
           <a:solidFill>
-            <a:schemeClr val="tx1"/>
+            <a:schemeClr val="tx1">
+              <a:lumMod val="85000"/>
+              <a:lumOff val="15000"/>
+            </a:schemeClr>
           </a:solidFill>
           <a:latin typeface="+mn-lt"/>
           <a:ea typeface="+mn-ea"/>
           <a:cs typeface="+mn-cs"/>
         </a:defRPr>
       </a:lvl6pPr>
-      <a:lvl7pPr marL="1484313" indent="-228600" algn="l" defTabSz="914400" rtl="0" eaLnBrk="1" latinLnBrk="0" hangingPunct="1">
+      <a:lvl7pPr marL="1400000" indent="-228600" algn="l" defTabSz="914400" rtl="0" eaLnBrk="1" latinLnBrk="0" hangingPunct="1">
         <a:lnSpc>
-          <a:spcPct val="100000"/>
+          <a:spcPct val="85000"/>
         </a:lnSpc>
         <a:spcBef>
-          <a:spcPts val="1000"/>
+          <a:spcPts val="600"/>
         </a:spcBef>
-        <a:buClr>
-          <a:schemeClr val="accent2"/>
-        </a:buClr>
-        <a:buFont typeface="Arial" panose="020B0604020202020204" pitchFamily="34" charset="0"/>
-        <a:buChar char="•"/>
-        <a:defRPr sz="1600" kern="1200">
+        <a:buFont typeface="Arial" pitchFamily="34" charset="0"/>
+        <a:buChar char=" "/>
+        <a:defRPr sz="1800" kern="1200">
           <a:solidFill>
-            <a:schemeClr val="tx1"/>
+            <a:schemeClr val="tx1">
+              <a:lumMod val="85000"/>
+              <a:lumOff val="15000"/>
+            </a:schemeClr>
           </a:solidFill>
           <a:latin typeface="+mn-lt"/>
           <a:ea typeface="+mn-ea"/>
           <a:cs typeface="+mn-cs"/>
         </a:defRPr>
       </a:lvl7pPr>
-      <a:lvl8pPr marL="1657350" indent="-228600" algn="l" defTabSz="914400" rtl="0" eaLnBrk="1" latinLnBrk="0" hangingPunct="1">
+      <a:lvl8pPr marL="1600000" indent="-228600" algn="l" defTabSz="914400" rtl="0" eaLnBrk="1" latinLnBrk="0" hangingPunct="1">
         <a:lnSpc>
-          <a:spcPct val="100000"/>
+          <a:spcPct val="85000"/>
         </a:lnSpc>
         <a:spcBef>
-          <a:spcPts val="1000"/>
+          <a:spcPts val="600"/>
         </a:spcBef>
-        <a:buClr>
-          <a:schemeClr val="accent2"/>
-        </a:buClr>
-        <a:buFont typeface="Arial" panose="020B0604020202020204" pitchFamily="34" charset="0"/>
-        <a:buChar char="•"/>
-        <a:defRPr sz="1600" kern="1200" baseline="0">
+        <a:buFont typeface="Arial" pitchFamily="34" charset="0"/>
+        <a:buChar char=" "/>
+        <a:defRPr sz="1800" kern="1200">
           <a:solidFill>
-            <a:schemeClr val="tx1"/>
+            <a:schemeClr val="tx1">
+              <a:lumMod val="85000"/>
+              <a:lumOff val="15000"/>
+            </a:schemeClr>
           </a:solidFill>
           <a:latin typeface="+mn-lt"/>
           <a:ea typeface="+mn-ea"/>
           <a:cs typeface="+mn-cs"/>
         </a:defRPr>
       </a:lvl8pPr>
-      <a:lvl9pPr marL="1882775" indent="-228600" algn="l" defTabSz="914400" rtl="0" eaLnBrk="1" latinLnBrk="0" hangingPunct="1">
+      <a:lvl9pPr marL="1800000" indent="-228600" algn="l" defTabSz="914400" rtl="0" eaLnBrk="1" latinLnBrk="0" hangingPunct="1">
         <a:lnSpc>
-          <a:spcPct val="100000"/>
+          <a:spcPct val="85000"/>
         </a:lnSpc>
         <a:spcBef>
-          <a:spcPts val="1000"/>
+          <a:spcPts val="600"/>
         </a:spcBef>
-        <a:buClr>
-          <a:schemeClr val="accent2"/>
-        </a:buClr>
-        <a:buFont typeface="Arial" panose="020B0604020202020204" pitchFamily="34" charset="0"/>
-        <a:buChar char="•"/>
-        <a:defRPr sz="1600" kern="1200" baseline="0">
+        <a:buFont typeface="Arial" pitchFamily="34" charset="0"/>
+        <a:buChar char=" "/>
+        <a:defRPr sz="1800" kern="1200">
           <a:solidFill>
-            <a:schemeClr val="tx1"/>
+            <a:schemeClr val="tx1">
+              <a:lumMod val="85000"/>
+              <a:lumOff val="15000"/>
+            </a:schemeClr>
           </a:solidFill>
           <a:latin typeface="+mn-lt"/>
           <a:ea typeface="+mn-ea"/>
@@ -3325,7 +3415,7 @@
           <a:p>
             <a:r>
               <a:rPr lang="ru-RU" dirty="0"/>
-              <a:t>Карточки</a:t>
+              <a:t>Финансовый Следопыт</a:t>
             </a:r>
           </a:p>
         </p:txBody>
@@ -3353,7 +3443,7 @@
           <a:p>
             <a:r>
               <a:rPr lang="ru-RU" dirty="0"/>
-              <a:t>Миша Мишин</a:t>
+              <a:t>Даниил Бочаров</a:t>
             </a:r>
           </a:p>
         </p:txBody>
@@ -3446,7 +3536,7 @@
           <a:p>
             <a:r>
               <a:rPr lang="ru-RU" sz="2400" dirty="0"/>
-              <a:t>Создание оконного приложения для заучивания перевода слова</a:t>
+              <a:t>Создание оконного приложения для учета финансов</a:t>
             </a:r>
           </a:p>
         </p:txBody>
@@ -3532,7 +3622,9 @@
           </a:xfrm>
         </p:spPr>
         <p:txBody>
-          <a:bodyPr/>
+          <a:bodyPr>
+            <a:normAutofit fontScale="92500" lnSpcReduction="10000"/>
+          </a:bodyPr>
           <a:lstStyle/>
           <a:p>
             <a:pPr marL="0" indent="0">
@@ -3857,7 +3949,7 @@
             </a:pPr>
             <a:r>
               <a:rPr lang="ru-RU" dirty="0"/>
-              <a:t>При дальнейшей работе над этим проектом, я бы хотел добавить каждому пользователю свои списки слов, и добавлять новый, не удаляя старые.</a:t>
+              <a:t>При дальнейшей работе над этим проектом, я бы хотел добавить изменение процента в распределение доходов и изменение накопления.</a:t>
             </a:r>
           </a:p>
         </p:txBody>
@@ -3876,64 +3968,62 @@
 </file>
 
 <file path=ppt/theme/theme1.xml><?xml version="1.0" encoding="utf-8"?>
-<a:theme xmlns:a="http://schemas.openxmlformats.org/drawingml/2006/main" name="Посылка">
+<a:theme xmlns:a="http://schemas.openxmlformats.org/drawingml/2006/main" name="Метрополия">
   <a:themeElements>
-    <a:clrScheme name="Посылка">
+    <a:clrScheme name="Метрополия">
       <a:dk1>
-        <a:srgbClr val="000000"/>
+        <a:sysClr val="windowText" lastClr="000000"/>
       </a:dk1>
       <a:lt1>
-        <a:srgbClr val="FFFFFF"/>
+        <a:sysClr val="window" lastClr="FFFFFF"/>
       </a:lt1>
       <a:dk2>
-        <a:srgbClr val="4A5356"/>
+        <a:srgbClr val="162F33"/>
       </a:dk2>
       <a:lt2>
-        <a:srgbClr val="E8E3CE"/>
+        <a:srgbClr val="EAF0E0"/>
       </a:lt2>
       <a:accent1>
-        <a:srgbClr val="F6A21D"/>
+        <a:srgbClr val="50B4C8"/>
       </a:accent1>
       <a:accent2>
-        <a:srgbClr val="9BAFB5"/>
+        <a:srgbClr val="A8B97F"/>
       </a:accent2>
       <a:accent3>
-        <a:srgbClr val="C96731"/>
+        <a:srgbClr val="9B9256"/>
       </a:accent3>
       <a:accent4>
-        <a:srgbClr val="9CA383"/>
+        <a:srgbClr val="657689"/>
       </a:accent4>
       <a:accent5>
-        <a:srgbClr val="87795D"/>
+        <a:srgbClr val="7A855D"/>
       </a:accent5>
       <a:accent6>
-        <a:srgbClr val="A0988C"/>
+        <a:srgbClr val="84AC9D"/>
       </a:accent6>
       <a:hlink>
-        <a:srgbClr val="00B0F0"/>
+        <a:srgbClr val="2370CD"/>
       </a:hlink>
       <a:folHlink>
-        <a:srgbClr val="738F97"/>
+        <a:srgbClr val="877589"/>
       </a:folHlink>
     </a:clrScheme>
-    <a:fontScheme name="Посылка">
+    <a:fontScheme name="Метрополия">
       <a:majorFont>
-        <a:latin typeface="Gill Sans MT" panose="020B0502020104020203"/>
+        <a:latin typeface="Calibri Light" panose="020F0302020204030204"/>
         <a:ea typeface=""/>
         <a:cs typeface=""/>
-        <a:font script="Grek" typeface="Corbel"/>
-        <a:font script="Cyrl" typeface="Corbel"/>
-        <a:font script="Jpan" typeface="HGｺﾞｼｯｸE"/>
-        <a:font script="Hang" typeface="휴먼매직체"/>
-        <a:font script="Hans" typeface="华文中宋"/>
-        <a:font script="Hant" typeface="微軟正黑體"/>
-        <a:font script="Arab" typeface="Majalla UI"/>
-        <a:font script="Hebr" typeface="Arial"/>
-        <a:font script="Thai" typeface="Cordia New"/>
+        <a:font script="Jpan" typeface="ＭＳ Ｐゴシック"/>
+        <a:font script="Hang" typeface="맑은 고딕"/>
+        <a:font script="Hans" typeface="宋体"/>
+        <a:font script="Hant" typeface="新細明體"/>
+        <a:font script="Arab" typeface="Times New Roman"/>
+        <a:font script="Hebr" typeface="Times New Roman"/>
+        <a:font script="Thai" typeface="Angsana New"/>
         <a:font script="Ethi" typeface="Nyala"/>
         <a:font script="Beng" typeface="Vrinda"/>
         <a:font script="Gujr" typeface="Shruti"/>
-        <a:font script="Khmr" typeface="DaunPenh"/>
+        <a:font script="Khmr" typeface="MoolBoran"/>
         <a:font script="Knda" typeface="Tunga"/>
         <a:font script="Guru" typeface="Raavi"/>
         <a:font script="Cans" typeface="Euphemia"/>
@@ -3950,27 +4040,25 @@
         <a:font script="Laoo" typeface="DokChampa"/>
         <a:font script="Sinh" typeface="Iskoola Pota"/>
         <a:font script="Mong" typeface="Mongolian Baiti"/>
-        <a:font script="Viet" typeface="Tahoma"/>
+        <a:font script="Viet" typeface="Times New Roman"/>
         <a:font script="Uigh" typeface="Microsoft Uighur"/>
         <a:font script="Geor" typeface="Sylfaen"/>
       </a:majorFont>
       <a:minorFont>
-        <a:latin typeface="Gill Sans MT" panose="020B0502020104020203"/>
+        <a:latin typeface="Calibri Light" panose="020F0302020204030204"/>
         <a:ea typeface=""/>
         <a:cs typeface=""/>
-        <a:font script="Grek" typeface="Corbel"/>
-        <a:font script="Cyrl" typeface="Corbel"/>
-        <a:font script="Jpan" typeface="HGｺﾞｼｯｸE"/>
-        <a:font script="Hang" typeface="휴먼매직체"/>
-        <a:font script="Hans" typeface="华文中宋"/>
-        <a:font script="Hant" typeface="微軟正黑體"/>
-        <a:font script="Arab" typeface="Majalla UI"/>
-        <a:font script="Hebr" typeface="Arial"/>
-        <a:font script="Thai" typeface="Cordia New"/>
+        <a:font script="Jpan" typeface="ＭＳ Ｐゴシック"/>
+        <a:font script="Hang" typeface="맑은 고딕"/>
+        <a:font script="Hans" typeface="宋体"/>
+        <a:font script="Hant" typeface="新細明體"/>
+        <a:font script="Arab" typeface="Times New Roman"/>
+        <a:font script="Hebr" typeface="Times New Roman"/>
+        <a:font script="Thai" typeface="Angsana New"/>
         <a:font script="Ethi" typeface="Nyala"/>
         <a:font script="Beng" typeface="Vrinda"/>
         <a:font script="Gujr" typeface="Shruti"/>
-        <a:font script="Khmr" typeface="DaunPenh"/>
+        <a:font script="Khmr" typeface="MoolBoran"/>
         <a:font script="Knda" typeface="Tunga"/>
         <a:font script="Guru" typeface="Raavi"/>
         <a:font script="Cans" typeface="Euphemia"/>
@@ -3987,12 +4075,12 @@
         <a:font script="Laoo" typeface="DokChampa"/>
         <a:font script="Sinh" typeface="Iskoola Pota"/>
         <a:font script="Mong" typeface="Mongolian Baiti"/>
-        <a:font script="Viet" typeface="Tahoma"/>
+        <a:font script="Viet" typeface="Times New Roman"/>
         <a:font script="Uigh" typeface="Microsoft Uighur"/>
         <a:font script="Geor" typeface="Sylfaen"/>
       </a:minorFont>
     </a:fontScheme>
-    <a:fmtScheme name="Посылка">
+    <a:fmtScheme name="Метрополия">
       <a:fillStyleLst>
         <a:solidFill>
           <a:schemeClr val="phClr"/>
@@ -4001,20 +4089,27 @@
           <a:gsLst>
             <a:gs pos="0">
               <a:schemeClr val="phClr">
-                <a:tint val="80000"/>
-                <a:satMod val="107000"/>
-                <a:lumMod val="103000"/>
+                <a:tint val="70000"/>
+                <a:satMod val="100000"/>
+                <a:lumMod val="110000"/>
+              </a:schemeClr>
+            </a:gs>
+            <a:gs pos="50000">
+              <a:schemeClr val="phClr">
+                <a:tint val="75000"/>
+                <a:satMod val="101000"/>
+                <a:lumMod val="105000"/>
               </a:schemeClr>
             </a:gs>
             <a:gs pos="100000">
               <a:schemeClr val="phClr">
                 <a:tint val="82000"/>
-                <a:satMod val="109000"/>
-                <a:lumMod val="103000"/>
+                <a:satMod val="104000"/>
+                <a:lumMod val="105000"/>
               </a:schemeClr>
             </a:gs>
           </a:gsLst>
-          <a:lin ang="5400000" scaled="0"/>
+          <a:lin ang="2700000" scaled="0"/>
         </a:gradFill>
         <a:gradFill rotWithShape="1">
           <a:gsLst>
@@ -4028,23 +4123,23 @@
             <a:gs pos="50000">
               <a:schemeClr val="phClr">
                 <a:shade val="100000"/>
-                <a:satMod val="103000"/>
+                <a:satMod val="100000"/>
                 <a:lumMod val="100000"/>
               </a:schemeClr>
             </a:gs>
             <a:gs pos="100000">
               <a:schemeClr val="phClr">
-                <a:shade val="93000"/>
-                <a:satMod val="110000"/>
+                <a:shade val="80000"/>
+                <a:satMod val="100000"/>
                 <a:lumMod val="99000"/>
               </a:schemeClr>
             </a:gs>
           </a:gsLst>
-          <a:lin ang="5400000" scaled="0"/>
+          <a:lin ang="2700000" scaled="0"/>
         </a:gradFill>
       </a:fillStyleLst>
       <a:lnStyleLst>
-        <a:ln w="6350" cap="flat" cmpd="sng" algn="ctr">
+        <a:ln w="9525" cap="flat" cmpd="sng" algn="ctr">
           <a:solidFill>
             <a:schemeClr val="phClr"/>
           </a:solidFill>
@@ -4056,7 +4151,7 @@
           </a:solidFill>
           <a:prstDash val="solid"/>
         </a:ln>
-        <a:ln w="31750" cap="flat" cmpd="sng" algn="ctr">
+        <a:ln w="19050" cap="flat" cmpd="sng" algn="ctr">
           <a:solidFill>
             <a:schemeClr val="phClr"/>
           </a:solidFill>
@@ -4072,21 +4167,12 @@
         </a:effectStyle>
         <a:effectStyle>
           <a:effectLst>
-            <a:outerShdw blurRad="55880" dist="15240" dir="5400000" algn="ctr" rotWithShape="0">
+            <a:outerShdw blurRad="57150" dist="19050" dir="5400000" algn="ctr" rotWithShape="0">
               <a:srgbClr val="000000">
-                <a:alpha val="45000"/>
+                <a:alpha val="63000"/>
               </a:srgbClr>
             </a:outerShdw>
           </a:effectLst>
-          <a:scene3d>
-            <a:camera prst="orthographicFront">
-              <a:rot lat="0" lon="0" rev="0"/>
-            </a:camera>
-            <a:lightRig rig="brightRoom" dir="tl"/>
-          </a:scene3d>
-          <a:sp3d prstMaterial="dkEdge">
-            <a:bevelT w="0" h="0"/>
-          </a:sp3d>
         </a:effectStyle>
       </a:effectStyleLst>
       <a:bgFillStyleLst>
@@ -4099,29 +4185,12 @@
             <a:satMod val="170000"/>
           </a:schemeClr>
         </a:solidFill>
-        <a:gradFill rotWithShape="1">
-          <a:gsLst>
-            <a:gs pos="0">
-              <a:schemeClr val="phClr">
-                <a:tint val="97000"/>
-                <a:shade val="100000"/>
-                <a:satMod val="185000"/>
-                <a:lumMod val="120000"/>
-              </a:schemeClr>
-            </a:gs>
-            <a:gs pos="100000">
-              <a:schemeClr val="phClr">
-                <a:tint val="96000"/>
-                <a:shade val="95000"/>
-                <a:satMod val="215000"/>
-                <a:lumMod val="80000"/>
-              </a:schemeClr>
-            </a:gs>
-          </a:gsLst>
-          <a:path path="circle">
-            <a:fillToRect l="50000" t="55000" r="125000" b="100000"/>
-          </a:path>
-        </a:gradFill>
+        <a:solidFill>
+          <a:schemeClr val="phClr">
+            <a:shade val="95000"/>
+            <a:satMod val="170000"/>
+          </a:schemeClr>
+        </a:solidFill>
       </a:bgFillStyleLst>
     </a:fmtScheme>
   </a:themeElements>
@@ -4129,7 +4198,7 @@
   <a:extraClrSchemeLst/>
   <a:extLst>
     <a:ext uri="{05A4C25C-085E-4340-85A3-A5531E510DB2}">
-      <thm15:themeFamily xmlns:thm15="http://schemas.microsoft.com/office/thememl/2012/main" name="Parcel" id="{8BEC4385-4EB9-4D53-BFB5-0EA123736B6D}" vid="{4DB32801-28C0-48B0-8C1D-A9A58613615A}"/>
+      <thm15:themeFamily xmlns:thm15="http://schemas.microsoft.com/office/thememl/2012/main" name="Metropolitan" id="{4C5440D6-04D2-4954-96CF-F251137069B2}" vid="{79CFCA13-9412-4290-BB4B-85112F88857B}"/>
     </a:ext>
   </a:extLst>
 </a:theme>

--- a/Финансовый следопыт.pptx
+++ b/Финансовый следопыт.pptx
@@ -316,7 +316,7 @@
           <a:p>
             <a:fld id="{A566D3CB-1BEF-450D-BBCE-2F6901244D5C}" type="datetimeFigureOut">
               <a:rPr lang="ru-RU" smtClean="0"/>
-              <a:t>08.11.2023</a:t>
+              <a:t>09.11.2023</a:t>
             </a:fld>
             <a:endParaRPr lang="ru-RU"/>
           </a:p>
@@ -506,7 +506,7 @@
           <a:p>
             <a:fld id="{A566D3CB-1BEF-450D-BBCE-2F6901244D5C}" type="datetimeFigureOut">
               <a:rPr lang="ru-RU" smtClean="0"/>
-              <a:t>08.11.2023</a:t>
+              <a:t>09.11.2023</a:t>
             </a:fld>
             <a:endParaRPr lang="ru-RU"/>
           </a:p>
@@ -686,7 +686,7 @@
           <a:p>
             <a:fld id="{A566D3CB-1BEF-450D-BBCE-2F6901244D5C}" type="datetimeFigureOut">
               <a:rPr lang="ru-RU" smtClean="0"/>
-              <a:t>08.11.2023</a:t>
+              <a:t>09.11.2023</a:t>
             </a:fld>
             <a:endParaRPr lang="ru-RU"/>
           </a:p>
@@ -856,7 +856,7 @@
           <a:p>
             <a:fld id="{A566D3CB-1BEF-450D-BBCE-2F6901244D5C}" type="datetimeFigureOut">
               <a:rPr lang="ru-RU" smtClean="0"/>
-              <a:t>08.11.2023</a:t>
+              <a:t>09.11.2023</a:t>
             </a:fld>
             <a:endParaRPr lang="ru-RU"/>
           </a:p>
@@ -1112,7 +1112,7 @@
           <a:p>
             <a:fld id="{A566D3CB-1BEF-450D-BBCE-2F6901244D5C}" type="datetimeFigureOut">
               <a:rPr lang="ru-RU" smtClean="0"/>
-              <a:t>08.11.2023</a:t>
+              <a:t>09.11.2023</a:t>
             </a:fld>
             <a:endParaRPr lang="ru-RU"/>
           </a:p>
@@ -1400,7 +1400,7 @@
           <a:p>
             <a:fld id="{A566D3CB-1BEF-450D-BBCE-2F6901244D5C}" type="datetimeFigureOut">
               <a:rPr lang="ru-RU" smtClean="0"/>
-              <a:t>08.11.2023</a:t>
+              <a:t>09.11.2023</a:t>
             </a:fld>
             <a:endParaRPr lang="ru-RU"/>
           </a:p>
@@ -1838,7 +1838,7 @@
           <a:p>
             <a:fld id="{A566D3CB-1BEF-450D-BBCE-2F6901244D5C}" type="datetimeFigureOut">
               <a:rPr lang="ru-RU" smtClean="0"/>
-              <a:t>08.11.2023</a:t>
+              <a:t>09.11.2023</a:t>
             </a:fld>
             <a:endParaRPr lang="ru-RU"/>
           </a:p>
@@ -1956,7 +1956,7 @@
           <a:p>
             <a:fld id="{A566D3CB-1BEF-450D-BBCE-2F6901244D5C}" type="datetimeFigureOut">
               <a:rPr lang="ru-RU" smtClean="0"/>
-              <a:t>08.11.2023</a:t>
+              <a:t>09.11.2023</a:t>
             </a:fld>
             <a:endParaRPr lang="ru-RU"/>
           </a:p>
@@ -2051,7 +2051,7 @@
           <a:p>
             <a:fld id="{A566D3CB-1BEF-450D-BBCE-2F6901244D5C}" type="datetimeFigureOut">
               <a:rPr lang="ru-RU" smtClean="0"/>
-              <a:t>08.11.2023</a:t>
+              <a:t>09.11.2023</a:t>
             </a:fld>
             <a:endParaRPr lang="ru-RU"/>
           </a:p>
@@ -2407,7 +2407,7 @@
           <a:p>
             <a:fld id="{A566D3CB-1BEF-450D-BBCE-2F6901244D5C}" type="datetimeFigureOut">
               <a:rPr lang="ru-RU" smtClean="0"/>
-              <a:t>08.11.2023</a:t>
+              <a:t>09.11.2023</a:t>
             </a:fld>
             <a:endParaRPr lang="ru-RU"/>
           </a:p>
@@ -2723,7 +2723,7 @@
           <a:p>
             <a:fld id="{A566D3CB-1BEF-450D-BBCE-2F6901244D5C}" type="datetimeFigureOut">
               <a:rPr lang="ru-RU" smtClean="0"/>
-              <a:t>08.11.2023</a:t>
+              <a:t>09.11.2023</a:t>
             </a:fld>
             <a:endParaRPr lang="ru-RU"/>
           </a:p>
@@ -2956,7 +2956,7 @@
           <a:p>
             <a:fld id="{A566D3CB-1BEF-450D-BBCE-2F6901244D5C}" type="datetimeFigureOut">
               <a:rPr lang="ru-RU" smtClean="0"/>
-              <a:t>08.11.2023</a:t>
+              <a:t>09.11.2023</a:t>
             </a:fld>
             <a:endParaRPr lang="ru-RU"/>
           </a:p>
@@ -3623,7 +3623,7 @@
         </p:spPr>
         <p:txBody>
           <a:bodyPr>
-            <a:normAutofit fontScale="92500" lnSpcReduction="10000"/>
+            <a:normAutofit/>
           </a:bodyPr>
           <a:lstStyle/>
           <a:p>
@@ -3638,30 +3638,32 @@
               <a:rPr lang="en-US" dirty="0"/>
               <a:t>:</a:t>
             </a:r>
-            <a:endParaRPr lang="ru-RU" dirty="0"/>
-          </a:p>
-          <a:p>
+          </a:p>
+          <a:p>
+            <a:pPr marL="0" indent="0">
+              <a:buNone/>
+            </a:pPr>
             <a:r>
               <a:rPr lang="ru-RU" dirty="0"/>
-              <a:t>Вход и регистрация</a:t>
-            </a:r>
-          </a:p>
-          <a:p>
+              <a:t>Форма доходов</a:t>
+            </a:r>
+          </a:p>
+          <a:p>
+            <a:pPr marL="0" indent="0">
+              <a:buNone/>
+            </a:pPr>
             <a:r>
               <a:rPr lang="ru-RU" dirty="0"/>
-              <a:t>Заучивание слов</a:t>
-            </a:r>
-          </a:p>
-          <a:p>
+              <a:t>Форма расходов</a:t>
+            </a:r>
+          </a:p>
+          <a:p>
+            <a:pPr marL="0" indent="0">
+              <a:buNone/>
+            </a:pPr>
             <a:r>
               <a:rPr lang="ru-RU" dirty="0"/>
-              <a:t>Добавление слов</a:t>
-            </a:r>
-          </a:p>
-          <a:p>
-            <a:r>
-              <a:rPr lang="ru-RU" dirty="0"/>
-              <a:t>Отображение слов</a:t>
+              <a:t>Форма распределения</a:t>
             </a:r>
           </a:p>
           <a:p>
@@ -3687,10 +3689,10 @@
       </p:sp>
       <p:pic>
         <p:nvPicPr>
-          <p:cNvPr id="5" name="Рисунок 4">
+          <p:cNvPr id="6" name="Рисунок 5">
             <a:extLst>
               <a:ext uri="{FF2B5EF4-FFF2-40B4-BE49-F238E27FC236}">
-                <a16:creationId xmlns:a16="http://schemas.microsoft.com/office/drawing/2014/main" id="{478228AA-9C89-47FD-939F-470FEF4FE4D7}"/>
+                <a16:creationId xmlns:a16="http://schemas.microsoft.com/office/drawing/2014/main" id="{5D9A1766-2BBC-4B9B-83A6-032AD0B6312D}"/>
               </a:ext>
             </a:extLst>
           </p:cNvPr>
@@ -3707,8 +3709,8 @@
         </p:blipFill>
         <p:spPr>
           <a:xfrm>
-            <a:off x="911084" y="2592198"/>
-            <a:ext cx="4105532" cy="3353904"/>
+            <a:off x="461100" y="2592198"/>
+            <a:ext cx="5391854" cy="3087350"/>
           </a:xfrm>
           <a:prstGeom prst="rect">
             <a:avLst/>
@@ -3747,10 +3749,10 @@
       </p:grpSpPr>
       <p:pic>
         <p:nvPicPr>
-          <p:cNvPr id="5" name="Рисунок 4">
+          <p:cNvPr id="3" name="Рисунок 2">
             <a:extLst>
               <a:ext uri="{FF2B5EF4-FFF2-40B4-BE49-F238E27FC236}">
-                <a16:creationId xmlns:a16="http://schemas.microsoft.com/office/drawing/2014/main" id="{494C81FB-2A45-42FB-9B64-FE348B882130}"/>
+                <a16:creationId xmlns:a16="http://schemas.microsoft.com/office/drawing/2014/main" id="{D2291CE8-1294-4AD8-9819-FBDB9DBF00D3}"/>
               </a:ext>
             </a:extLst>
           </p:cNvPr>
@@ -3767,8 +3769,8 @@
         </p:blipFill>
         <p:spPr>
           <a:xfrm>
-            <a:off x="7209921" y="3453228"/>
-            <a:ext cx="2936055" cy="3095623"/>
+            <a:off x="872160" y="2009193"/>
+            <a:ext cx="4974968" cy="2839614"/>
           </a:xfrm>
           <a:prstGeom prst="rect">
             <a:avLst/>
@@ -3777,10 +3779,10 @@
       </p:pic>
       <p:pic>
         <p:nvPicPr>
-          <p:cNvPr id="7" name="Рисунок 6">
+          <p:cNvPr id="6" name="Рисунок 5">
             <a:extLst>
               <a:ext uri="{FF2B5EF4-FFF2-40B4-BE49-F238E27FC236}">
-                <a16:creationId xmlns:a16="http://schemas.microsoft.com/office/drawing/2014/main" id="{52504519-5B45-40FD-97EA-F8DBDE8D55B4}"/>
+                <a16:creationId xmlns:a16="http://schemas.microsoft.com/office/drawing/2014/main" id="{ED824140-FF50-4A2B-933E-269DEEFB1C57}"/>
               </a:ext>
             </a:extLst>
           </p:cNvPr>
@@ -3797,68 +3799,8 @@
         </p:blipFill>
         <p:spPr>
           <a:xfrm>
-            <a:off x="7047322" y="231672"/>
-            <a:ext cx="3261255" cy="3095623"/>
-          </a:xfrm>
-          <a:prstGeom prst="rect">
-            <a:avLst/>
-          </a:prstGeom>
-        </p:spPr>
-      </p:pic>
-      <p:pic>
-        <p:nvPicPr>
-          <p:cNvPr id="9" name="Рисунок 8">
-            <a:extLst>
-              <a:ext uri="{FF2B5EF4-FFF2-40B4-BE49-F238E27FC236}">
-                <a16:creationId xmlns:a16="http://schemas.microsoft.com/office/drawing/2014/main" id="{BBFB2FB1-1425-4AFB-ADBD-DF1508FAA027}"/>
-              </a:ext>
-            </a:extLst>
-          </p:cNvPr>
-          <p:cNvPicPr>
-            <a:picLocks noChangeAspect="1"/>
-          </p:cNvPicPr>
-          <p:nvPr/>
-        </p:nvPicPr>
-        <p:blipFill>
-          <a:blip r:embed="rId4"/>
-          <a:stretch>
-            <a:fillRect/>
-          </a:stretch>
-        </p:blipFill>
-        <p:spPr>
-          <a:xfrm>
-            <a:off x="1123714" y="231672"/>
-            <a:ext cx="3378873" cy="2941897"/>
-          </a:xfrm>
-          <a:prstGeom prst="rect">
-            <a:avLst/>
-          </a:prstGeom>
-        </p:spPr>
-      </p:pic>
-      <p:pic>
-        <p:nvPicPr>
-          <p:cNvPr id="11" name="Рисунок 10">
-            <a:extLst>
-              <a:ext uri="{FF2B5EF4-FFF2-40B4-BE49-F238E27FC236}">
-                <a16:creationId xmlns:a16="http://schemas.microsoft.com/office/drawing/2014/main" id="{A3A70F1B-6153-4D29-9694-C8BBFE4DDB60}"/>
-              </a:ext>
-            </a:extLst>
-          </p:cNvPr>
-          <p:cNvPicPr>
-            <a:picLocks noChangeAspect="1"/>
-          </p:cNvPicPr>
-          <p:nvPr/>
-        </p:nvPicPr>
-        <p:blipFill>
-          <a:blip r:embed="rId5"/>
-          <a:stretch>
-            <a:fillRect/>
-          </a:stretch>
-        </p:blipFill>
-        <p:spPr>
-          <a:xfrm>
-            <a:off x="1123715" y="3594645"/>
-            <a:ext cx="3378872" cy="2954206"/>
+            <a:off x="6493377" y="2028181"/>
+            <a:ext cx="4915948" cy="2820626"/>
           </a:xfrm>
           <a:prstGeom prst="rect">
             <a:avLst/>
